--- a/sponsor_pitches.pptx
+++ b/sponsor_pitches.pptx
@@ -5,40 +5,45 @@
     <p:sldMasterId id="2147483648" r:id="rId1"/>
   </p:sldMasterIdLst>
   <p:notesMasterIdLst>
-    <p:notesMasterId r:id="rId30"/>
+    <p:notesMasterId r:id="rId35"/>
   </p:notesMasterIdLst>
   <p:handoutMasterIdLst>
-    <p:handoutMasterId r:id="rId31"/>
+    <p:handoutMasterId r:id="rId36"/>
   </p:handoutMasterIdLst>
   <p:sldIdLst>
-    <p:sldId id="256" r:id="rId2"/>
-    <p:sldId id="271" r:id="rId3"/>
-    <p:sldId id="257" r:id="rId4"/>
-    <p:sldId id="272" r:id="rId5"/>
-    <p:sldId id="258" r:id="rId6"/>
-    <p:sldId id="273" r:id="rId7"/>
-    <p:sldId id="269" r:id="rId8"/>
-    <p:sldId id="274" r:id="rId9"/>
-    <p:sldId id="259" r:id="rId10"/>
-    <p:sldId id="275" r:id="rId11"/>
-    <p:sldId id="260" r:id="rId12"/>
-    <p:sldId id="276" r:id="rId13"/>
-    <p:sldId id="261" r:id="rId14"/>
-    <p:sldId id="277" r:id="rId15"/>
-    <p:sldId id="262" r:id="rId16"/>
-    <p:sldId id="278" r:id="rId17"/>
-    <p:sldId id="263" r:id="rId18"/>
-    <p:sldId id="279" r:id="rId19"/>
-    <p:sldId id="267" r:id="rId20"/>
-    <p:sldId id="280" r:id="rId21"/>
-    <p:sldId id="270" r:id="rId22"/>
-    <p:sldId id="281" r:id="rId23"/>
-    <p:sldId id="265" r:id="rId24"/>
-    <p:sldId id="282" r:id="rId25"/>
-    <p:sldId id="266" r:id="rId26"/>
-    <p:sldId id="283" r:id="rId27"/>
-    <p:sldId id="268" r:id="rId28"/>
-    <p:sldId id="284" r:id="rId29"/>
+    <p:sldId id="285" r:id="rId2"/>
+    <p:sldId id="256" r:id="rId3"/>
+    <p:sldId id="271" r:id="rId4"/>
+    <p:sldId id="257" r:id="rId5"/>
+    <p:sldId id="272" r:id="rId6"/>
+    <p:sldId id="258" r:id="rId7"/>
+    <p:sldId id="273" r:id="rId8"/>
+    <p:sldId id="269" r:id="rId9"/>
+    <p:sldId id="274" r:id="rId10"/>
+    <p:sldId id="286" r:id="rId11"/>
+    <p:sldId id="259" r:id="rId12"/>
+    <p:sldId id="275" r:id="rId13"/>
+    <p:sldId id="260" r:id="rId14"/>
+    <p:sldId id="276" r:id="rId15"/>
+    <p:sldId id="261" r:id="rId16"/>
+    <p:sldId id="277" r:id="rId17"/>
+    <p:sldId id="287" r:id="rId18"/>
+    <p:sldId id="262" r:id="rId19"/>
+    <p:sldId id="278" r:id="rId20"/>
+    <p:sldId id="263" r:id="rId21"/>
+    <p:sldId id="279" r:id="rId22"/>
+    <p:sldId id="267" r:id="rId23"/>
+    <p:sldId id="280" r:id="rId24"/>
+    <p:sldId id="270" r:id="rId25"/>
+    <p:sldId id="281" r:id="rId26"/>
+    <p:sldId id="288" r:id="rId27"/>
+    <p:sldId id="265" r:id="rId28"/>
+    <p:sldId id="282" r:id="rId29"/>
+    <p:sldId id="266" r:id="rId30"/>
+    <p:sldId id="283" r:id="rId31"/>
+    <p:sldId id="268" r:id="rId32"/>
+    <p:sldId id="284" r:id="rId33"/>
+    <p:sldId id="289" r:id="rId34"/>
   </p:sldIdLst>
   <p:sldSz cx="9144000" cy="5143500" type="screen16x9"/>
   <p:notesSz cx="6858000" cy="9144000"/>
@@ -222,7 +227,7 @@
           <a:p>
             <a:fld id="{26E10EF1-F557-9D42-8470-2B3785BDEEB4}" type="datetimeFigureOut">
               <a:rPr lang="en-US" smtClean="0"/>
-              <a:t>6/5/15</a:t>
+              <a:t>6/10/15</a:t>
             </a:fld>
             <a:endParaRPr lang="en-US"/>
           </a:p>
@@ -387,7 +392,7 @@
           <a:p>
             <a:fld id="{D5D9DE3C-3904-FC48-ACCA-1FAF6D8E369F}" type="datetimeFigureOut">
               <a:rPr lang="en-US" smtClean="0"/>
-              <a:t>6/5/15</a:t>
+              <a:t>6/10/15</a:t>
             </a:fld>
             <a:endParaRPr lang="en-US"/>
           </a:p>
@@ -836,11 +841,15 @@
           <a:p>
             <a:r>
               <a:rPr lang="en-US" dirty="0" smtClean="0"/>
-              <a:t>@</a:t>
+              <a:t>#</a:t>
             </a:r>
             <a:r>
               <a:rPr lang="en-US" dirty="0" err="1" smtClean="0"/>
-              <a:t>DevOpsDaysDC</a:t>
+              <a:t>DevOpsDays</a:t>
+            </a:r>
+            <a:r>
+              <a:rPr lang="en-US" dirty="0" smtClean="0"/>
+              <a:t> DC</a:t>
             </a:r>
             <a:endParaRPr lang="en-US" dirty="0"/>
           </a:p>
@@ -1128,11 +1137,15 @@
           <a:p>
             <a:r>
               <a:rPr lang="en-US" dirty="0" smtClean="0"/>
-              <a:t>@</a:t>
+              <a:t>#</a:t>
             </a:r>
             <a:r>
               <a:rPr lang="en-US" dirty="0" err="1" smtClean="0"/>
-              <a:t>DevOpsDaysDC</a:t>
+              <a:t>DevOpsDays</a:t>
+            </a:r>
+            <a:r>
+              <a:rPr lang="en-US" dirty="0" smtClean="0"/>
+              <a:t> DC</a:t>
             </a:r>
             <a:endParaRPr lang="en-US" dirty="0"/>
           </a:p>
@@ -1306,11 +1319,15 @@
           <a:p>
             <a:r>
               <a:rPr lang="en-US" dirty="0" smtClean="0"/>
-              <a:t>@</a:t>
+              <a:t>#</a:t>
             </a:r>
             <a:r>
               <a:rPr lang="en-US" dirty="0" err="1" smtClean="0"/>
-              <a:t>DevOpsDaysDC</a:t>
+              <a:t>DevOpsDays</a:t>
+            </a:r>
+            <a:r>
+              <a:rPr lang="en-US" dirty="0" smtClean="0"/>
+              <a:t> DC</a:t>
             </a:r>
             <a:endParaRPr lang="en-US" dirty="0"/>
           </a:p>
@@ -1512,11 +1529,15 @@
           <a:p>
             <a:r>
               <a:rPr lang="en-US" dirty="0" smtClean="0"/>
-              <a:t>@</a:t>
+              <a:t>#</a:t>
             </a:r>
             <a:r>
               <a:rPr lang="en-US" dirty="0" err="1" smtClean="0"/>
-              <a:t>DevOpsDaysDC</a:t>
+              <a:t>DevOpsDays</a:t>
+            </a:r>
+            <a:r>
+              <a:rPr lang="en-US" dirty="0" smtClean="0"/>
+              <a:t> DC</a:t>
             </a:r>
             <a:endParaRPr lang="en-US" dirty="0" smtClean="0"/>
           </a:p>
@@ -1708,11 +1729,15 @@
           <a:p>
             <a:r>
               <a:rPr lang="en-US" dirty="0" smtClean="0"/>
-              <a:t>@</a:t>
+              <a:t>#</a:t>
             </a:r>
             <a:r>
               <a:rPr lang="en-US" dirty="0" err="1" smtClean="0"/>
-              <a:t>DevOpsDaysDC</a:t>
+              <a:t>DevOpsDays</a:t>
+            </a:r>
+            <a:r>
+              <a:rPr lang="en-US" dirty="0" smtClean="0"/>
+              <a:t> DC</a:t>
             </a:r>
             <a:endParaRPr lang="en-US" dirty="0"/>
           </a:p>
@@ -1993,11 +2018,15 @@
           <a:p>
             <a:r>
               <a:rPr lang="en-US" dirty="0" smtClean="0"/>
-              <a:t>@</a:t>
+              <a:t>#</a:t>
             </a:r>
             <a:r>
               <a:rPr lang="en-US" dirty="0" err="1" smtClean="0"/>
-              <a:t>DevOpsDaysDC</a:t>
+              <a:t>DevOpsDays</a:t>
+            </a:r>
+            <a:r>
+              <a:rPr lang="en-US" dirty="0" smtClean="0"/>
+              <a:t> DC</a:t>
             </a:r>
             <a:endParaRPr lang="en-US" dirty="0"/>
           </a:p>
@@ -2320,11 +2349,15 @@
           <a:p>
             <a:r>
               <a:rPr lang="en-US" dirty="0" smtClean="0"/>
-              <a:t>@</a:t>
+              <a:t>#</a:t>
             </a:r>
             <a:r>
               <a:rPr lang="en-US" dirty="0" err="1" smtClean="0"/>
-              <a:t>DevOpsDaysDC</a:t>
+              <a:t>DevOpsDays</a:t>
+            </a:r>
+            <a:r>
+              <a:rPr lang="en-US" dirty="0" smtClean="0"/>
+              <a:t> DC</a:t>
             </a:r>
             <a:endParaRPr lang="en-US" dirty="0"/>
           </a:p>
@@ -2781,11 +2814,15 @@
           <a:p>
             <a:r>
               <a:rPr lang="en-US" dirty="0" smtClean="0"/>
-              <a:t>@</a:t>
+              <a:t>#</a:t>
             </a:r>
             <a:r>
               <a:rPr lang="en-US" dirty="0" err="1" smtClean="0"/>
-              <a:t>DevOpsDaysDC</a:t>
+              <a:t>DevOpsDays</a:t>
+            </a:r>
+            <a:r>
+              <a:rPr lang="en-US" dirty="0" smtClean="0"/>
+              <a:t> DC</a:t>
             </a:r>
             <a:endParaRPr lang="en-US" dirty="0"/>
           </a:p>
@@ -2996,11 +3033,15 @@
           <a:p>
             <a:r>
               <a:rPr lang="en-US" dirty="0" smtClean="0"/>
-              <a:t>@</a:t>
+              <a:t>#</a:t>
             </a:r>
             <a:r>
               <a:rPr lang="en-US" dirty="0" err="1" smtClean="0"/>
-              <a:t>DevOpsDaysDC</a:t>
+              <a:t>DevOpsDays</a:t>
+            </a:r>
+            <a:r>
+              <a:rPr lang="en-US" dirty="0" smtClean="0"/>
+              <a:t> DC</a:t>
             </a:r>
             <a:endParaRPr lang="en-US" dirty="0"/>
           </a:p>
@@ -3154,11 +3195,15 @@
           <a:p>
             <a:r>
               <a:rPr lang="en-US" dirty="0" smtClean="0"/>
-              <a:t>@</a:t>
+              <a:t>#</a:t>
             </a:r>
             <a:r>
               <a:rPr lang="en-US" dirty="0" err="1" smtClean="0"/>
-              <a:t>DevOpsDaysDC</a:t>
+              <a:t>DevOpsDays</a:t>
+            </a:r>
+            <a:r>
+              <a:rPr lang="en-US" dirty="0" smtClean="0"/>
+              <a:t> DC</a:t>
             </a:r>
             <a:endParaRPr lang="en-US" dirty="0"/>
           </a:p>
@@ -3326,11 +3371,15 @@
           <a:p>
             <a:r>
               <a:rPr lang="en-US" dirty="0" smtClean="0"/>
-              <a:t>@</a:t>
+              <a:t>#</a:t>
             </a:r>
             <a:r>
               <a:rPr lang="en-US" dirty="0" err="1" smtClean="0"/>
-              <a:t>DevOpsDaysDC</a:t>
+              <a:t>DevOpsDays</a:t>
+            </a:r>
+            <a:r>
+              <a:rPr lang="en-US" dirty="0" smtClean="0"/>
+              <a:t> DC</a:t>
             </a:r>
             <a:endParaRPr lang="en-US" dirty="0"/>
           </a:p>
@@ -3642,11 +3691,15 @@
           <a:p>
             <a:r>
               <a:rPr lang="en-US" dirty="0" smtClean="0"/>
-              <a:t>@</a:t>
+              <a:t>#</a:t>
             </a:r>
             <a:r>
               <a:rPr lang="en-US" dirty="0" err="1" smtClean="0"/>
-              <a:t>DevOpsDaysDC</a:t>
+              <a:t>DevOpsDays</a:t>
+            </a:r>
+            <a:r>
+              <a:rPr lang="en-US" dirty="0" smtClean="0"/>
+              <a:t> DC</a:t>
             </a:r>
             <a:endParaRPr lang="en-US" dirty="0"/>
           </a:p>
@@ -3894,11 +3947,15 @@
           <a:p>
             <a:r>
               <a:rPr lang="en-US" dirty="0" smtClean="0"/>
-              <a:t>@</a:t>
+              <a:t>#</a:t>
             </a:r>
             <a:r>
               <a:rPr lang="en-US" dirty="0" err="1" smtClean="0"/>
-              <a:t>DevOpsDaysDC</a:t>
+              <a:t>DevOpsDays</a:t>
+            </a:r>
+            <a:r>
+              <a:rPr lang="en-US" dirty="0" smtClean="0"/>
+              <a:t> DC</a:t>
             </a:r>
             <a:endParaRPr lang="en-US" dirty="0"/>
           </a:p>
@@ -4280,6 +4337,1176 @@
       </p:grpSpPr>
       <p:sp>
         <p:nvSpPr>
+          <p:cNvPr id="5" name="Title 4"/>
+          <p:cNvSpPr>
+            <a:spLocks noGrp="1"/>
+          </p:cNvSpPr>
+          <p:nvPr>
+            <p:ph type="ctrTitle"/>
+          </p:nvPr>
+        </p:nvSpPr>
+        <p:spPr/>
+        <p:txBody>
+          <a:bodyPr>
+            <a:normAutofit/>
+          </a:bodyPr>
+          <a:lstStyle/>
+          <a:p>
+            <a:r>
+              <a:rPr lang="en-US" dirty="0" err="1" smtClean="0"/>
+              <a:t>DevOpsDays</a:t>
+            </a:r>
+            <a:r>
+              <a:rPr lang="en-US" dirty="0" smtClean="0"/>
+              <a:t> DC</a:t>
+            </a:r>
+            <a:endParaRPr lang="en-US" dirty="0"/>
+          </a:p>
+        </p:txBody>
+      </p:sp>
+      <p:sp>
+        <p:nvSpPr>
+          <p:cNvPr id="6" name="Subtitle 5"/>
+          <p:cNvSpPr>
+            <a:spLocks noGrp="1"/>
+          </p:cNvSpPr>
+          <p:nvPr>
+            <p:ph type="subTitle" idx="1"/>
+          </p:nvPr>
+        </p:nvSpPr>
+        <p:spPr/>
+        <p:txBody>
+          <a:bodyPr/>
+          <a:lstStyle/>
+          <a:p>
+            <a:r>
+              <a:rPr lang="en-US" dirty="0" smtClean="0"/>
+              <a:t>Sponsor Pitches</a:t>
+            </a:r>
+            <a:endParaRPr lang="en-US" dirty="0"/>
+          </a:p>
+        </p:txBody>
+      </p:sp>
+    </p:spTree>
+    <p:extLst>
+      <p:ext uri="{BB962C8B-B14F-4D97-AF65-F5344CB8AC3E}">
+        <p14:creationId xmlns:p14="http://schemas.microsoft.com/office/powerpoint/2010/main" val="482049031"/>
+      </p:ext>
+    </p:extLst>
+  </p:cSld>
+  <p:clrMapOvr>
+    <a:masterClrMapping/>
+  </p:clrMapOvr>
+  <p:timing>
+    <p:tnLst>
+      <p:par>
+        <p:cTn xmlns:p14="http://schemas.microsoft.com/office/powerpoint/2010/main" id="1" dur="indefinite" restart="never" nodeType="tmRoot"/>
+      </p:par>
+    </p:tnLst>
+  </p:timing>
+</p:sld>
+</file>
+
+<file path=ppt/slides/slide10.xml><?xml version="1.0" encoding="utf-8"?>
+<p:sld xmlns:a="http://schemas.openxmlformats.org/drawingml/2006/main" xmlns:r="http://schemas.openxmlformats.org/officeDocument/2006/relationships" xmlns:p="http://schemas.openxmlformats.org/presentationml/2006/main">
+  <p:cSld>
+    <p:spTree>
+      <p:nvGrpSpPr>
+        <p:cNvPr id="1" name=""/>
+        <p:cNvGrpSpPr/>
+        <p:nvPr/>
+      </p:nvGrpSpPr>
+      <p:grpSpPr>
+        <a:xfrm>
+          <a:off x="0" y="0"/>
+          <a:ext cx="0" cy="0"/>
+          <a:chOff x="0" y="0"/>
+          <a:chExt cx="0" cy="0"/>
+        </a:xfrm>
+      </p:grpSpPr>
+      <p:sp>
+        <p:nvSpPr>
+          <p:cNvPr id="5" name="Title 4"/>
+          <p:cNvSpPr>
+            <a:spLocks noGrp="1"/>
+          </p:cNvSpPr>
+          <p:nvPr>
+            <p:ph type="ctrTitle"/>
+          </p:nvPr>
+        </p:nvSpPr>
+        <p:spPr/>
+        <p:txBody>
+          <a:bodyPr>
+            <a:normAutofit/>
+          </a:bodyPr>
+          <a:lstStyle/>
+          <a:p>
+            <a:r>
+              <a:rPr lang="en-US" dirty="0" err="1" smtClean="0"/>
+              <a:t>DevOpsDays</a:t>
+            </a:r>
+            <a:r>
+              <a:rPr lang="en-US" dirty="0" smtClean="0"/>
+              <a:t> DC</a:t>
+            </a:r>
+            <a:endParaRPr lang="en-US" dirty="0"/>
+          </a:p>
+        </p:txBody>
+      </p:sp>
+      <p:sp>
+        <p:nvSpPr>
+          <p:cNvPr id="6" name="Subtitle 5"/>
+          <p:cNvSpPr>
+            <a:spLocks noGrp="1"/>
+          </p:cNvSpPr>
+          <p:nvPr>
+            <p:ph type="subTitle" idx="1"/>
+          </p:nvPr>
+        </p:nvSpPr>
+        <p:spPr/>
+        <p:txBody>
+          <a:bodyPr/>
+          <a:lstStyle/>
+          <a:p>
+            <a:r>
+              <a:rPr lang="en-US" dirty="0" smtClean="0"/>
+              <a:t>Sponsor Pitches</a:t>
+            </a:r>
+            <a:endParaRPr lang="en-US" dirty="0"/>
+          </a:p>
+        </p:txBody>
+      </p:sp>
+    </p:spTree>
+    <p:extLst>
+      <p:ext uri="{BB962C8B-B14F-4D97-AF65-F5344CB8AC3E}">
+        <p14:creationId xmlns:p14="http://schemas.microsoft.com/office/powerpoint/2010/main" val="4007166133"/>
+      </p:ext>
+    </p:extLst>
+  </p:cSld>
+  <p:clrMapOvr>
+    <a:masterClrMapping/>
+  </p:clrMapOvr>
+  <p:timing>
+    <p:tnLst>
+      <p:par>
+        <p:cTn xmlns:p14="http://schemas.microsoft.com/office/powerpoint/2010/main" id="1" dur="indefinite" restart="never" nodeType="tmRoot"/>
+      </p:par>
+    </p:tnLst>
+  </p:timing>
+</p:sld>
+</file>
+
+<file path=ppt/slides/slide11.xml><?xml version="1.0" encoding="utf-8"?>
+<p:sld xmlns:a="http://schemas.openxmlformats.org/drawingml/2006/main" xmlns:r="http://schemas.openxmlformats.org/officeDocument/2006/relationships" xmlns:p="http://schemas.openxmlformats.org/presentationml/2006/main">
+  <p:cSld>
+    <p:spTree>
+      <p:nvGrpSpPr>
+        <p:cNvPr id="1" name=""/>
+        <p:cNvGrpSpPr/>
+        <p:nvPr/>
+      </p:nvGrpSpPr>
+      <p:grpSpPr>
+        <a:xfrm>
+          <a:off x="0" y="0"/>
+          <a:ext cx="0" cy="0"/>
+          <a:chOff x="0" y="0"/>
+          <a:chExt cx="0" cy="0"/>
+        </a:xfrm>
+      </p:grpSpPr>
+      <p:sp>
+        <p:nvSpPr>
+          <p:cNvPr id="2" name="Title 1"/>
+          <p:cNvSpPr>
+            <a:spLocks noGrp="1"/>
+          </p:cNvSpPr>
+          <p:nvPr>
+            <p:ph type="title"/>
+          </p:nvPr>
+        </p:nvSpPr>
+        <p:spPr/>
+        <p:txBody>
+          <a:bodyPr/>
+          <a:lstStyle/>
+          <a:p>
+            <a:r>
+              <a:rPr lang="en-US" dirty="0" smtClean="0"/>
+              <a:t>Platinum Sponsor</a:t>
+            </a:r>
+            <a:endParaRPr lang="en-US" dirty="0"/>
+          </a:p>
+        </p:txBody>
+      </p:sp>
+      <p:sp>
+        <p:nvSpPr>
+          <p:cNvPr id="3" name="Text Placeholder 2"/>
+          <p:cNvSpPr>
+            <a:spLocks noGrp="1"/>
+          </p:cNvSpPr>
+          <p:nvPr>
+            <p:ph type="body" sz="quarter" idx="13"/>
+          </p:nvPr>
+        </p:nvSpPr>
+        <p:spPr/>
+        <p:txBody>
+          <a:bodyPr/>
+          <a:lstStyle/>
+          <a:p>
+            <a:r>
+              <a:rPr lang="en-US" dirty="0" smtClean="0"/>
+              <a:t>@</a:t>
+            </a:r>
+            <a:r>
+              <a:rPr lang="en-US" dirty="0" err="1" smtClean="0"/>
+              <a:t>sonatype</a:t>
+            </a:r>
+            <a:endParaRPr lang="en-US" dirty="0"/>
+          </a:p>
+        </p:txBody>
+      </p:sp>
+      <p:pic>
+        <p:nvPicPr>
+          <p:cNvPr id="7" name="Picture 2" descr="C:\Users\jason.simpson\AppData\Local\Microsoft\Windows\Temporary Internet Files\Content.Outlook\33G2AT45\sonatype_logo_BlackOnWhite (1).jpg"/>
+          <p:cNvPicPr>
+            <a:picLocks noGrp="1" noChangeAspect="1" noChangeArrowheads="1"/>
+          </p:cNvPicPr>
+          <p:nvPr>
+            <p:ph type="pic" sz="quarter" idx="14"/>
+          </p:nvPr>
+        </p:nvPicPr>
+        <p:blipFill>
+          <a:blip r:embed="rId2">
+            <a:extLst>
+              <a:ext uri="{28A0092B-C50C-407E-A947-70E740481C1C}">
+                <a14:useLocalDpi xmlns:a14="http://schemas.microsoft.com/office/drawing/2010/main" val="0"/>
+              </a:ext>
+            </a:extLst>
+          </a:blip>
+          <a:srcRect t="-32915" b="-32915"/>
+          <a:stretch>
+            <a:fillRect/>
+          </a:stretch>
+        </p:blipFill>
+        <p:spPr bwMode="auto">
+          <a:prstGeom prst="rect">
+            <a:avLst/>
+          </a:prstGeom>
+          <a:noFill/>
+          <a:extLst>
+            <a:ext uri="{909E8E84-426E-40dd-AFC4-6F175D3DCCD1}">
+              <a14:hiddenFill xmlns:a14="http://schemas.microsoft.com/office/drawing/2010/main">
+                <a:solidFill>
+                  <a:srgbClr val="FFFFFF"/>
+                </a:solidFill>
+              </a14:hiddenFill>
+            </a:ext>
+          </a:extLst>
+        </p:spPr>
+      </p:pic>
+    </p:spTree>
+    <p:extLst>
+      <p:ext uri="{BB962C8B-B14F-4D97-AF65-F5344CB8AC3E}">
+        <p14:creationId xmlns:p14="http://schemas.microsoft.com/office/powerpoint/2010/main" val="538817539"/>
+      </p:ext>
+    </p:extLst>
+  </p:cSld>
+  <p:clrMapOvr>
+    <a:masterClrMapping/>
+  </p:clrMapOvr>
+  <p:transition xmlns:p14="http://schemas.microsoft.com/office/powerpoint/2010/main" spd="slow" advTm="60000">
+    <p:push dir="u"/>
+  </p:transition>
+  <p:timing>
+    <p:tnLst>
+      <p:par>
+        <p:cTn xmlns:p14="http://schemas.microsoft.com/office/powerpoint/2010/main" id="1" dur="indefinite" restart="never" nodeType="tmRoot"/>
+      </p:par>
+    </p:tnLst>
+  </p:timing>
+</p:sld>
+</file>
+
+<file path=ppt/slides/slide12.xml><?xml version="1.0" encoding="utf-8"?>
+<p:sld xmlns:a="http://schemas.openxmlformats.org/drawingml/2006/main" xmlns:r="http://schemas.openxmlformats.org/officeDocument/2006/relationships" xmlns:p="http://schemas.openxmlformats.org/presentationml/2006/main">
+  <p:cSld>
+    <p:spTree>
+      <p:nvGrpSpPr>
+        <p:cNvPr id="1" name=""/>
+        <p:cNvGrpSpPr/>
+        <p:nvPr/>
+      </p:nvGrpSpPr>
+      <p:grpSpPr>
+        <a:xfrm>
+          <a:off x="0" y="0"/>
+          <a:ext cx="0" cy="0"/>
+          <a:chOff x="0" y="0"/>
+          <a:chExt cx="0" cy="0"/>
+        </a:xfrm>
+      </p:grpSpPr>
+      <p:sp>
+        <p:nvSpPr>
+          <p:cNvPr id="5" name="Title 4"/>
+          <p:cNvSpPr>
+            <a:spLocks noGrp="1"/>
+          </p:cNvSpPr>
+          <p:nvPr>
+            <p:ph type="ctrTitle"/>
+          </p:nvPr>
+        </p:nvSpPr>
+        <p:spPr/>
+        <p:txBody>
+          <a:bodyPr>
+            <a:normAutofit fontScale="90000"/>
+          </a:bodyPr>
+          <a:lstStyle/>
+          <a:p>
+            <a:r>
+              <a:rPr lang="en-US" dirty="0" smtClean="0"/>
+              <a:t>Thanks to @</a:t>
+            </a:r>
+            <a:r>
+              <a:rPr lang="en-US" dirty="0" err="1" smtClean="0"/>
+              <a:t>Sonatype</a:t>
+            </a:r>
+            <a:r>
+              <a:rPr lang="en-US" dirty="0" smtClean="0"/>
+              <a:t> for sponsoring </a:t>
+            </a:r>
+            <a:r>
+              <a:rPr lang="en-US" dirty="0" smtClean="0"/>
+              <a:t>#</a:t>
+            </a:r>
+            <a:r>
+              <a:rPr lang="en-US" dirty="0" err="1" smtClean="0"/>
+              <a:t>DevOpsDays</a:t>
+            </a:r>
+            <a:r>
+              <a:rPr lang="en-US" dirty="0" smtClean="0"/>
+              <a:t> DC!</a:t>
+            </a:r>
+            <a:endParaRPr lang="en-US" dirty="0"/>
+          </a:p>
+        </p:txBody>
+      </p:sp>
+      <p:sp>
+        <p:nvSpPr>
+          <p:cNvPr id="6" name="Subtitle 5"/>
+          <p:cNvSpPr>
+            <a:spLocks noGrp="1"/>
+          </p:cNvSpPr>
+          <p:nvPr>
+            <p:ph type="subTitle" idx="1"/>
+          </p:nvPr>
+        </p:nvSpPr>
+        <p:spPr/>
+        <p:txBody>
+          <a:bodyPr/>
+          <a:lstStyle/>
+          <a:p>
+            <a:endParaRPr lang="en-US"/>
+          </a:p>
+        </p:txBody>
+      </p:sp>
+    </p:spTree>
+    <p:extLst>
+      <p:ext uri="{BB962C8B-B14F-4D97-AF65-F5344CB8AC3E}">
+        <p14:creationId xmlns:p14="http://schemas.microsoft.com/office/powerpoint/2010/main" val="3321839521"/>
+      </p:ext>
+    </p:extLst>
+  </p:cSld>
+  <p:clrMapOvr>
+    <a:masterClrMapping/>
+  </p:clrMapOvr>
+</p:sld>
+</file>
+
+<file path=ppt/slides/slide13.xml><?xml version="1.0" encoding="utf-8"?>
+<p:sld xmlns:a="http://schemas.openxmlformats.org/drawingml/2006/main" xmlns:r="http://schemas.openxmlformats.org/officeDocument/2006/relationships" xmlns:p="http://schemas.openxmlformats.org/presentationml/2006/main">
+  <p:cSld>
+    <p:spTree>
+      <p:nvGrpSpPr>
+        <p:cNvPr id="1" name=""/>
+        <p:cNvGrpSpPr/>
+        <p:nvPr/>
+      </p:nvGrpSpPr>
+      <p:grpSpPr>
+        <a:xfrm>
+          <a:off x="0" y="0"/>
+          <a:ext cx="0" cy="0"/>
+          <a:chOff x="0" y="0"/>
+          <a:chExt cx="0" cy="0"/>
+        </a:xfrm>
+      </p:grpSpPr>
+      <p:sp>
+        <p:nvSpPr>
+          <p:cNvPr id="2" name="Title 1"/>
+          <p:cNvSpPr>
+            <a:spLocks noGrp="1"/>
+          </p:cNvSpPr>
+          <p:nvPr>
+            <p:ph type="title"/>
+          </p:nvPr>
+        </p:nvSpPr>
+        <p:spPr/>
+        <p:txBody>
+          <a:bodyPr/>
+          <a:lstStyle/>
+          <a:p>
+            <a:r>
+              <a:rPr lang="en-US" dirty="0" smtClean="0"/>
+              <a:t>Platinum Sponsor</a:t>
+            </a:r>
+            <a:endParaRPr lang="en-US" dirty="0"/>
+          </a:p>
+        </p:txBody>
+      </p:sp>
+      <p:sp>
+        <p:nvSpPr>
+          <p:cNvPr id="3" name="Text Placeholder 2"/>
+          <p:cNvSpPr>
+            <a:spLocks noGrp="1"/>
+          </p:cNvSpPr>
+          <p:nvPr>
+            <p:ph type="body" sz="quarter" idx="13"/>
+          </p:nvPr>
+        </p:nvSpPr>
+        <p:spPr/>
+        <p:txBody>
+          <a:bodyPr/>
+          <a:lstStyle/>
+          <a:p>
+            <a:r>
+              <a:rPr lang="en-US" dirty="0" smtClean="0"/>
+              <a:t>@</a:t>
+            </a:r>
+            <a:r>
+              <a:rPr lang="en-US" dirty="0" err="1" smtClean="0"/>
+              <a:t>ansible</a:t>
+            </a:r>
+            <a:endParaRPr lang="en-US" dirty="0"/>
+          </a:p>
+        </p:txBody>
+      </p:sp>
+      <p:pic>
+        <p:nvPicPr>
+          <p:cNvPr id="6" name="Picture 2"/>
+          <p:cNvPicPr>
+            <a:picLocks noGrp="1" noChangeAspect="1" noChangeArrowheads="1"/>
+          </p:cNvPicPr>
+          <p:nvPr>
+            <p:ph type="pic" sz="quarter" idx="14"/>
+          </p:nvPr>
+        </p:nvPicPr>
+        <p:blipFill>
+          <a:blip r:embed="rId2">
+            <a:extLst>
+              <a:ext uri="{28A0092B-C50C-407E-A947-70E740481C1C}">
+                <a14:useLocalDpi xmlns:a14="http://schemas.microsoft.com/office/drawing/2010/main" val="0"/>
+              </a:ext>
+            </a:extLst>
+          </a:blip>
+          <a:srcRect l="-69032" r="-69032"/>
+          <a:stretch>
+            <a:fillRect/>
+          </a:stretch>
+        </p:blipFill>
+        <p:spPr bwMode="auto">
+          <a:prstGeom prst="rect">
+            <a:avLst/>
+          </a:prstGeom>
+          <a:noFill/>
+          <a:ln>
+            <a:noFill/>
+          </a:ln>
+          <a:effectLst/>
+          <a:extLst>
+            <a:ext uri="{909E8E84-426E-40dd-AFC4-6F175D3DCCD1}">
+              <a14:hiddenFill xmlns:a14="http://schemas.microsoft.com/office/drawing/2010/main">
+                <a:solidFill>
+                  <a:schemeClr val="accent1"/>
+                </a:solidFill>
+              </a14:hiddenFill>
+            </a:ext>
+            <a:ext uri="{91240B29-F687-4f45-9708-019B960494DF}">
+              <a14:hiddenLine xmlns:a14="http://schemas.microsoft.com/office/drawing/2010/main" w="9525">
+                <a:solidFill>
+                  <a:schemeClr val="tx1"/>
+                </a:solidFill>
+                <a:miter lim="800000"/>
+                <a:headEnd/>
+                <a:tailEnd/>
+              </a14:hiddenLine>
+            </a:ext>
+            <a:ext uri="{AF507438-7753-43e0-B8FC-AC1667EBCBE1}">
+              <a14:hiddenEffects xmlns:a14="http://schemas.microsoft.com/office/drawing/2010/main">
+                <a:effectLst>
+                  <a:outerShdw dist="35921" dir="2700000" algn="ctr" rotWithShape="0">
+                    <a:schemeClr val="bg2"/>
+                  </a:outerShdw>
+                </a:effectLst>
+              </a14:hiddenEffects>
+            </a:ext>
+          </a:extLst>
+        </p:spPr>
+      </p:pic>
+    </p:spTree>
+    <p:extLst>
+      <p:ext uri="{BB962C8B-B14F-4D97-AF65-F5344CB8AC3E}">
+        <p14:creationId xmlns:p14="http://schemas.microsoft.com/office/powerpoint/2010/main" val="1180450132"/>
+      </p:ext>
+    </p:extLst>
+  </p:cSld>
+  <p:clrMapOvr>
+    <a:masterClrMapping/>
+  </p:clrMapOvr>
+  <p:transition xmlns:p14="http://schemas.microsoft.com/office/powerpoint/2010/main" spd="slow" advTm="60000">
+    <p:push dir="u"/>
+  </p:transition>
+  <p:timing>
+    <p:tnLst>
+      <p:par>
+        <p:cTn xmlns:p14="http://schemas.microsoft.com/office/powerpoint/2010/main" id="1" dur="indefinite" restart="never" nodeType="tmRoot"/>
+      </p:par>
+    </p:tnLst>
+  </p:timing>
+</p:sld>
+</file>
+
+<file path=ppt/slides/slide14.xml><?xml version="1.0" encoding="utf-8"?>
+<p:sld xmlns:a="http://schemas.openxmlformats.org/drawingml/2006/main" xmlns:r="http://schemas.openxmlformats.org/officeDocument/2006/relationships" xmlns:p="http://schemas.openxmlformats.org/presentationml/2006/main">
+  <p:cSld>
+    <p:spTree>
+      <p:nvGrpSpPr>
+        <p:cNvPr id="1" name=""/>
+        <p:cNvGrpSpPr/>
+        <p:nvPr/>
+      </p:nvGrpSpPr>
+      <p:grpSpPr>
+        <a:xfrm>
+          <a:off x="0" y="0"/>
+          <a:ext cx="0" cy="0"/>
+          <a:chOff x="0" y="0"/>
+          <a:chExt cx="0" cy="0"/>
+        </a:xfrm>
+      </p:grpSpPr>
+      <p:sp>
+        <p:nvSpPr>
+          <p:cNvPr id="5" name="Title 4"/>
+          <p:cNvSpPr>
+            <a:spLocks noGrp="1"/>
+          </p:cNvSpPr>
+          <p:nvPr>
+            <p:ph type="ctrTitle"/>
+          </p:nvPr>
+        </p:nvSpPr>
+        <p:spPr/>
+        <p:txBody>
+          <a:bodyPr>
+            <a:normAutofit fontScale="90000"/>
+          </a:bodyPr>
+          <a:lstStyle/>
+          <a:p>
+            <a:r>
+              <a:rPr lang="en-US" dirty="0" smtClean="0"/>
+              <a:t>Thanks to @</a:t>
+            </a:r>
+            <a:r>
+              <a:rPr lang="en-US" dirty="0" err="1" smtClean="0"/>
+              <a:t>ansible</a:t>
+            </a:r>
+            <a:r>
+              <a:rPr lang="en-US" dirty="0" smtClean="0"/>
+              <a:t> for sponsoring </a:t>
+            </a:r>
+            <a:r>
+              <a:rPr lang="en-US" dirty="0" smtClean="0"/>
+              <a:t>#</a:t>
+            </a:r>
+            <a:r>
+              <a:rPr lang="en-US" dirty="0" err="1" smtClean="0"/>
+              <a:t>DevOpsDays</a:t>
+            </a:r>
+            <a:r>
+              <a:rPr lang="en-US" dirty="0" smtClean="0"/>
+              <a:t> DC!</a:t>
+            </a:r>
+            <a:endParaRPr lang="en-US" dirty="0"/>
+          </a:p>
+        </p:txBody>
+      </p:sp>
+      <p:sp>
+        <p:nvSpPr>
+          <p:cNvPr id="6" name="Subtitle 5"/>
+          <p:cNvSpPr>
+            <a:spLocks noGrp="1"/>
+          </p:cNvSpPr>
+          <p:nvPr>
+            <p:ph type="subTitle" idx="1"/>
+          </p:nvPr>
+        </p:nvSpPr>
+        <p:spPr/>
+        <p:txBody>
+          <a:bodyPr/>
+          <a:lstStyle/>
+          <a:p>
+            <a:endParaRPr lang="en-US"/>
+          </a:p>
+        </p:txBody>
+      </p:sp>
+    </p:spTree>
+    <p:extLst>
+      <p:ext uri="{BB962C8B-B14F-4D97-AF65-F5344CB8AC3E}">
+        <p14:creationId xmlns:p14="http://schemas.microsoft.com/office/powerpoint/2010/main" val="2924298118"/>
+      </p:ext>
+    </p:extLst>
+  </p:cSld>
+  <p:clrMapOvr>
+    <a:masterClrMapping/>
+  </p:clrMapOvr>
+</p:sld>
+</file>
+
+<file path=ppt/slides/slide15.xml><?xml version="1.0" encoding="utf-8"?>
+<p:sld xmlns:a="http://schemas.openxmlformats.org/drawingml/2006/main" xmlns:r="http://schemas.openxmlformats.org/officeDocument/2006/relationships" xmlns:p="http://schemas.openxmlformats.org/presentationml/2006/main">
+  <p:cSld>
+    <p:spTree>
+      <p:nvGrpSpPr>
+        <p:cNvPr id="1" name=""/>
+        <p:cNvGrpSpPr/>
+        <p:nvPr/>
+      </p:nvGrpSpPr>
+      <p:grpSpPr>
+        <a:xfrm>
+          <a:off x="0" y="0"/>
+          <a:ext cx="0" cy="0"/>
+          <a:chOff x="0" y="0"/>
+          <a:chExt cx="0" cy="0"/>
+        </a:xfrm>
+      </p:grpSpPr>
+      <p:sp>
+        <p:nvSpPr>
+          <p:cNvPr id="2" name="Title 1"/>
+          <p:cNvSpPr>
+            <a:spLocks noGrp="1"/>
+          </p:cNvSpPr>
+          <p:nvPr>
+            <p:ph type="title"/>
+          </p:nvPr>
+        </p:nvSpPr>
+        <p:spPr/>
+        <p:txBody>
+          <a:bodyPr/>
+          <a:lstStyle/>
+          <a:p>
+            <a:r>
+              <a:rPr lang="en-US" dirty="0" smtClean="0"/>
+              <a:t>Platinum Sponsor</a:t>
+            </a:r>
+            <a:endParaRPr lang="en-US" dirty="0"/>
+          </a:p>
+        </p:txBody>
+      </p:sp>
+      <p:sp>
+        <p:nvSpPr>
+          <p:cNvPr id="3" name="Text Placeholder 2"/>
+          <p:cNvSpPr>
+            <a:spLocks noGrp="1"/>
+          </p:cNvSpPr>
+          <p:nvPr>
+            <p:ph type="body" sz="quarter" idx="13"/>
+          </p:nvPr>
+        </p:nvSpPr>
+        <p:spPr/>
+        <p:txBody>
+          <a:bodyPr/>
+          <a:lstStyle/>
+          <a:p>
+            <a:r>
+              <a:rPr lang="en-US" dirty="0" smtClean="0"/>
+              <a:t>@</a:t>
+            </a:r>
+            <a:r>
+              <a:rPr lang="en-US" dirty="0" err="1" smtClean="0"/>
+              <a:t>netuitive</a:t>
+            </a:r>
+            <a:endParaRPr lang="en-US" dirty="0"/>
+          </a:p>
+        </p:txBody>
+      </p:sp>
+      <p:pic>
+        <p:nvPicPr>
+          <p:cNvPr id="8" name="Picture 5"/>
+          <p:cNvPicPr>
+            <a:picLocks noGrp="1" noChangeAspect="1" noChangeArrowheads="1"/>
+          </p:cNvPicPr>
+          <p:nvPr>
+            <p:ph type="pic" sz="quarter" idx="14"/>
+          </p:nvPr>
+        </p:nvPicPr>
+        <p:blipFill>
+          <a:blip r:embed="rId2">
+            <a:extLst>
+              <a:ext uri="{28A0092B-C50C-407E-A947-70E740481C1C}">
+                <a14:useLocalDpi xmlns:a14="http://schemas.microsoft.com/office/drawing/2010/main" val="0"/>
+              </a:ext>
+            </a:extLst>
+          </a:blip>
+          <a:srcRect t="-45258" b="-45258"/>
+          <a:stretch>
+            <a:fillRect/>
+          </a:stretch>
+        </p:blipFill>
+        <p:spPr bwMode="auto">
+          <a:prstGeom prst="rect">
+            <a:avLst/>
+          </a:prstGeom>
+          <a:noFill/>
+          <a:extLst>
+            <a:ext uri="{909E8E84-426E-40dd-AFC4-6F175D3DCCD1}">
+              <a14:hiddenFill xmlns:a14="http://schemas.microsoft.com/office/drawing/2010/main">
+                <a:solidFill>
+                  <a:srgbClr val="FFFFFF"/>
+                </a:solidFill>
+              </a14:hiddenFill>
+            </a:ext>
+          </a:extLst>
+        </p:spPr>
+      </p:pic>
+    </p:spTree>
+    <p:extLst>
+      <p:ext uri="{BB962C8B-B14F-4D97-AF65-F5344CB8AC3E}">
+        <p14:creationId xmlns:p14="http://schemas.microsoft.com/office/powerpoint/2010/main" val="2053817247"/>
+      </p:ext>
+    </p:extLst>
+  </p:cSld>
+  <p:clrMapOvr>
+    <a:masterClrMapping/>
+  </p:clrMapOvr>
+  <p:transition xmlns:p14="http://schemas.microsoft.com/office/powerpoint/2010/main" spd="slow" advTm="60000">
+    <p:push dir="u"/>
+  </p:transition>
+  <p:timing>
+    <p:tnLst>
+      <p:par>
+        <p:cTn xmlns:p14="http://schemas.microsoft.com/office/powerpoint/2010/main" id="1" dur="indefinite" restart="never" nodeType="tmRoot"/>
+      </p:par>
+    </p:tnLst>
+  </p:timing>
+</p:sld>
+</file>
+
+<file path=ppt/slides/slide16.xml><?xml version="1.0" encoding="utf-8"?>
+<p:sld xmlns:a="http://schemas.openxmlformats.org/drawingml/2006/main" xmlns:r="http://schemas.openxmlformats.org/officeDocument/2006/relationships" xmlns:p="http://schemas.openxmlformats.org/presentationml/2006/main">
+  <p:cSld>
+    <p:spTree>
+      <p:nvGrpSpPr>
+        <p:cNvPr id="1" name=""/>
+        <p:cNvGrpSpPr/>
+        <p:nvPr/>
+      </p:nvGrpSpPr>
+      <p:grpSpPr>
+        <a:xfrm>
+          <a:off x="0" y="0"/>
+          <a:ext cx="0" cy="0"/>
+          <a:chOff x="0" y="0"/>
+          <a:chExt cx="0" cy="0"/>
+        </a:xfrm>
+      </p:grpSpPr>
+      <p:sp>
+        <p:nvSpPr>
+          <p:cNvPr id="5" name="Title 4"/>
+          <p:cNvSpPr>
+            <a:spLocks noGrp="1"/>
+          </p:cNvSpPr>
+          <p:nvPr>
+            <p:ph type="ctrTitle"/>
+          </p:nvPr>
+        </p:nvSpPr>
+        <p:spPr/>
+        <p:txBody>
+          <a:bodyPr>
+            <a:normAutofit fontScale="90000"/>
+          </a:bodyPr>
+          <a:lstStyle/>
+          <a:p>
+            <a:r>
+              <a:rPr lang="en-US" dirty="0" smtClean="0"/>
+              <a:t>Thanks to @</a:t>
+            </a:r>
+            <a:r>
+              <a:rPr lang="en-US" dirty="0" err="1" smtClean="0"/>
+              <a:t>netuitive</a:t>
+            </a:r>
+            <a:r>
+              <a:rPr lang="en-US" dirty="0" smtClean="0"/>
+              <a:t> for sponsoring </a:t>
+            </a:r>
+            <a:r>
+              <a:rPr lang="en-US" dirty="0" smtClean="0"/>
+              <a:t>#</a:t>
+            </a:r>
+            <a:r>
+              <a:rPr lang="en-US" dirty="0" err="1" smtClean="0"/>
+              <a:t>DevOpsDays</a:t>
+            </a:r>
+            <a:r>
+              <a:rPr lang="en-US" dirty="0" smtClean="0"/>
+              <a:t> DC!</a:t>
+            </a:r>
+            <a:endParaRPr lang="en-US" dirty="0"/>
+          </a:p>
+        </p:txBody>
+      </p:sp>
+      <p:sp>
+        <p:nvSpPr>
+          <p:cNvPr id="6" name="Subtitle 5"/>
+          <p:cNvSpPr>
+            <a:spLocks noGrp="1"/>
+          </p:cNvSpPr>
+          <p:nvPr>
+            <p:ph type="subTitle" idx="1"/>
+          </p:nvPr>
+        </p:nvSpPr>
+        <p:spPr/>
+        <p:txBody>
+          <a:bodyPr/>
+          <a:lstStyle/>
+          <a:p>
+            <a:endParaRPr lang="en-US"/>
+          </a:p>
+        </p:txBody>
+      </p:sp>
+    </p:spTree>
+    <p:extLst>
+      <p:ext uri="{BB962C8B-B14F-4D97-AF65-F5344CB8AC3E}">
+        <p14:creationId xmlns:p14="http://schemas.microsoft.com/office/powerpoint/2010/main" val="3344581441"/>
+      </p:ext>
+    </p:extLst>
+  </p:cSld>
+  <p:clrMapOvr>
+    <a:masterClrMapping/>
+  </p:clrMapOvr>
+</p:sld>
+</file>
+
+<file path=ppt/slides/slide17.xml><?xml version="1.0" encoding="utf-8"?>
+<p:sld xmlns:a="http://schemas.openxmlformats.org/drawingml/2006/main" xmlns:r="http://schemas.openxmlformats.org/officeDocument/2006/relationships" xmlns:p="http://schemas.openxmlformats.org/presentationml/2006/main">
+  <p:cSld>
+    <p:spTree>
+      <p:nvGrpSpPr>
+        <p:cNvPr id="1" name=""/>
+        <p:cNvGrpSpPr/>
+        <p:nvPr/>
+      </p:nvGrpSpPr>
+      <p:grpSpPr>
+        <a:xfrm>
+          <a:off x="0" y="0"/>
+          <a:ext cx="0" cy="0"/>
+          <a:chOff x="0" y="0"/>
+          <a:chExt cx="0" cy="0"/>
+        </a:xfrm>
+      </p:grpSpPr>
+      <p:sp>
+        <p:nvSpPr>
+          <p:cNvPr id="5" name="Title 4"/>
+          <p:cNvSpPr>
+            <a:spLocks noGrp="1"/>
+          </p:cNvSpPr>
+          <p:nvPr>
+            <p:ph type="ctrTitle"/>
+          </p:nvPr>
+        </p:nvSpPr>
+        <p:spPr/>
+        <p:txBody>
+          <a:bodyPr>
+            <a:normAutofit/>
+          </a:bodyPr>
+          <a:lstStyle/>
+          <a:p>
+            <a:r>
+              <a:rPr lang="en-US" dirty="0" err="1" smtClean="0"/>
+              <a:t>DevOpsDays</a:t>
+            </a:r>
+            <a:r>
+              <a:rPr lang="en-US" dirty="0" smtClean="0"/>
+              <a:t> DC</a:t>
+            </a:r>
+            <a:endParaRPr lang="en-US" dirty="0"/>
+          </a:p>
+        </p:txBody>
+      </p:sp>
+      <p:sp>
+        <p:nvSpPr>
+          <p:cNvPr id="6" name="Subtitle 5"/>
+          <p:cNvSpPr>
+            <a:spLocks noGrp="1"/>
+          </p:cNvSpPr>
+          <p:nvPr>
+            <p:ph type="subTitle" idx="1"/>
+          </p:nvPr>
+        </p:nvSpPr>
+        <p:spPr/>
+        <p:txBody>
+          <a:bodyPr/>
+          <a:lstStyle/>
+          <a:p>
+            <a:r>
+              <a:rPr lang="en-US" dirty="0" smtClean="0"/>
+              <a:t>Sponsor Pitches</a:t>
+            </a:r>
+            <a:endParaRPr lang="en-US" dirty="0"/>
+          </a:p>
+        </p:txBody>
+      </p:sp>
+    </p:spTree>
+    <p:extLst>
+      <p:ext uri="{BB962C8B-B14F-4D97-AF65-F5344CB8AC3E}">
+        <p14:creationId xmlns:p14="http://schemas.microsoft.com/office/powerpoint/2010/main" val="4007166133"/>
+      </p:ext>
+    </p:extLst>
+  </p:cSld>
+  <p:clrMapOvr>
+    <a:masterClrMapping/>
+  </p:clrMapOvr>
+  <p:timing>
+    <p:tnLst>
+      <p:par>
+        <p:cTn xmlns:p14="http://schemas.microsoft.com/office/powerpoint/2010/main" id="1" dur="indefinite" restart="never" nodeType="tmRoot"/>
+      </p:par>
+    </p:tnLst>
+  </p:timing>
+</p:sld>
+</file>
+
+<file path=ppt/slides/slide18.xml><?xml version="1.0" encoding="utf-8"?>
+<p:sld xmlns:a="http://schemas.openxmlformats.org/drawingml/2006/main" xmlns:r="http://schemas.openxmlformats.org/officeDocument/2006/relationships" xmlns:p="http://schemas.openxmlformats.org/presentationml/2006/main">
+  <p:cSld>
+    <p:spTree>
+      <p:nvGrpSpPr>
+        <p:cNvPr id="1" name=""/>
+        <p:cNvGrpSpPr/>
+        <p:nvPr/>
+      </p:nvGrpSpPr>
+      <p:grpSpPr>
+        <a:xfrm>
+          <a:off x="0" y="0"/>
+          <a:ext cx="0" cy="0"/>
+          <a:chOff x="0" y="0"/>
+          <a:chExt cx="0" cy="0"/>
+        </a:xfrm>
+      </p:grpSpPr>
+      <p:sp>
+        <p:nvSpPr>
+          <p:cNvPr id="2" name="Title 1"/>
+          <p:cNvSpPr>
+            <a:spLocks noGrp="1"/>
+          </p:cNvSpPr>
+          <p:nvPr>
+            <p:ph type="title"/>
+          </p:nvPr>
+        </p:nvSpPr>
+        <p:spPr/>
+        <p:txBody>
+          <a:bodyPr/>
+          <a:lstStyle/>
+          <a:p>
+            <a:r>
+              <a:rPr lang="en-US" dirty="0" smtClean="0"/>
+              <a:t>Platinum Sponsor</a:t>
+            </a:r>
+            <a:endParaRPr lang="en-US" dirty="0"/>
+          </a:p>
+        </p:txBody>
+      </p:sp>
+      <p:sp>
+        <p:nvSpPr>
+          <p:cNvPr id="3" name="Text Placeholder 2"/>
+          <p:cNvSpPr>
+            <a:spLocks noGrp="1"/>
+          </p:cNvSpPr>
+          <p:nvPr>
+            <p:ph type="body" sz="quarter" idx="13"/>
+          </p:nvPr>
+        </p:nvSpPr>
+        <p:spPr/>
+        <p:txBody>
+          <a:bodyPr/>
+          <a:lstStyle/>
+          <a:p>
+            <a:r>
+              <a:rPr lang="en-US" dirty="0" smtClean="0"/>
+              <a:t>@chef</a:t>
+            </a:r>
+            <a:endParaRPr lang="en-US" dirty="0"/>
+          </a:p>
+        </p:txBody>
+      </p:sp>
+      <p:pic>
+        <p:nvPicPr>
+          <p:cNvPr id="7" name="Picture 2" descr="http://upload.wikimedia.org/wikipedia/en/5/56/Chef_Software_Inc._company_logo.png"/>
+          <p:cNvPicPr>
+            <a:picLocks noGrp="1" noChangeAspect="1" noChangeArrowheads="1"/>
+          </p:cNvPicPr>
+          <p:nvPr>
+            <p:ph type="pic" sz="quarter" idx="14"/>
+          </p:nvPr>
+        </p:nvPicPr>
+        <p:blipFill>
+          <a:blip r:embed="rId2" cstate="print">
+            <a:extLst>
+              <a:ext uri="{28A0092B-C50C-407E-A947-70E740481C1C}">
+                <a14:useLocalDpi xmlns:a14="http://schemas.microsoft.com/office/drawing/2010/main" val="0"/>
+              </a:ext>
+            </a:extLst>
+          </a:blip>
+          <a:srcRect l="-83227" r="-83227"/>
+          <a:stretch>
+            <a:fillRect/>
+          </a:stretch>
+        </p:blipFill>
+        <p:spPr bwMode="auto">
+          <a:prstGeom prst="rect">
+            <a:avLst/>
+          </a:prstGeom>
+          <a:noFill/>
+          <a:extLst>
+            <a:ext uri="{909E8E84-426E-40dd-AFC4-6F175D3DCCD1}">
+              <a14:hiddenFill xmlns:a14="http://schemas.microsoft.com/office/drawing/2010/main">
+                <a:solidFill>
+                  <a:srgbClr val="FFFFFF"/>
+                </a:solidFill>
+              </a14:hiddenFill>
+            </a:ext>
+          </a:extLst>
+        </p:spPr>
+      </p:pic>
+    </p:spTree>
+    <p:extLst>
+      <p:ext uri="{BB962C8B-B14F-4D97-AF65-F5344CB8AC3E}">
+        <p14:creationId xmlns:p14="http://schemas.microsoft.com/office/powerpoint/2010/main" val="120216747"/>
+      </p:ext>
+    </p:extLst>
+  </p:cSld>
+  <p:clrMapOvr>
+    <a:masterClrMapping/>
+  </p:clrMapOvr>
+  <p:transition xmlns:p14="http://schemas.microsoft.com/office/powerpoint/2010/main" spd="slow" advTm="60000">
+    <p:push dir="u"/>
+  </p:transition>
+  <p:timing>
+    <p:tnLst>
+      <p:par>
+        <p:cTn xmlns:p14="http://schemas.microsoft.com/office/powerpoint/2010/main" id="1" dur="indefinite" restart="never" nodeType="tmRoot"/>
+      </p:par>
+    </p:tnLst>
+  </p:timing>
+</p:sld>
+</file>
+
+<file path=ppt/slides/slide19.xml><?xml version="1.0" encoding="utf-8"?>
+<p:sld xmlns:a="http://schemas.openxmlformats.org/drawingml/2006/main" xmlns:r="http://schemas.openxmlformats.org/officeDocument/2006/relationships" xmlns:p="http://schemas.openxmlformats.org/presentationml/2006/main">
+  <p:cSld>
+    <p:spTree>
+      <p:nvGrpSpPr>
+        <p:cNvPr id="1" name=""/>
+        <p:cNvGrpSpPr/>
+        <p:nvPr/>
+      </p:nvGrpSpPr>
+      <p:grpSpPr>
+        <a:xfrm>
+          <a:off x="0" y="0"/>
+          <a:ext cx="0" cy="0"/>
+          <a:chOff x="0" y="0"/>
+          <a:chExt cx="0" cy="0"/>
+        </a:xfrm>
+      </p:grpSpPr>
+      <p:sp>
+        <p:nvSpPr>
+          <p:cNvPr id="5" name="Title 4"/>
+          <p:cNvSpPr>
+            <a:spLocks noGrp="1"/>
+          </p:cNvSpPr>
+          <p:nvPr>
+            <p:ph type="ctrTitle"/>
+          </p:nvPr>
+        </p:nvSpPr>
+        <p:spPr/>
+        <p:txBody>
+          <a:bodyPr>
+            <a:normAutofit fontScale="90000"/>
+          </a:bodyPr>
+          <a:lstStyle/>
+          <a:p>
+            <a:r>
+              <a:rPr lang="en-US" dirty="0" smtClean="0"/>
+              <a:t>Thanks to @chef for sponsoring </a:t>
+            </a:r>
+            <a:r>
+              <a:rPr lang="en-US" dirty="0" smtClean="0"/>
+              <a:t>#</a:t>
+            </a:r>
+            <a:r>
+              <a:rPr lang="en-US" dirty="0" err="1" smtClean="0"/>
+              <a:t>DevOpsDays</a:t>
+            </a:r>
+            <a:r>
+              <a:rPr lang="en-US" dirty="0" smtClean="0"/>
+              <a:t> DC!</a:t>
+            </a:r>
+            <a:endParaRPr lang="en-US" dirty="0"/>
+          </a:p>
+        </p:txBody>
+      </p:sp>
+      <p:sp>
+        <p:nvSpPr>
+          <p:cNvPr id="6" name="Subtitle 5"/>
+          <p:cNvSpPr>
+            <a:spLocks noGrp="1"/>
+          </p:cNvSpPr>
+          <p:nvPr>
+            <p:ph type="subTitle" idx="1"/>
+          </p:nvPr>
+        </p:nvSpPr>
+        <p:spPr/>
+        <p:txBody>
+          <a:bodyPr/>
+          <a:lstStyle/>
+          <a:p>
+            <a:endParaRPr lang="en-US"/>
+          </a:p>
+        </p:txBody>
+      </p:sp>
+    </p:spTree>
+    <p:extLst>
+      <p:ext uri="{BB962C8B-B14F-4D97-AF65-F5344CB8AC3E}">
+        <p14:creationId xmlns:p14="http://schemas.microsoft.com/office/powerpoint/2010/main" val="2075116433"/>
+      </p:ext>
+    </p:extLst>
+  </p:cSld>
+  <p:clrMapOvr>
+    <a:masterClrMapping/>
+  </p:clrMapOvr>
+</p:sld>
+</file>
+
+<file path=ppt/slides/slide2.xml><?xml version="1.0" encoding="utf-8"?>
+<p:sld xmlns:a="http://schemas.openxmlformats.org/drawingml/2006/main" xmlns:r="http://schemas.openxmlformats.org/officeDocument/2006/relationships" xmlns:p="http://schemas.openxmlformats.org/presentationml/2006/main">
+  <p:cSld>
+    <p:spTree>
+      <p:nvGrpSpPr>
+        <p:cNvPr id="1" name=""/>
+        <p:cNvGrpSpPr/>
+        <p:nvPr/>
+      </p:nvGrpSpPr>
+      <p:grpSpPr>
+        <a:xfrm>
+          <a:off x="0" y="0"/>
+          <a:ext cx="0" cy="0"/>
+          <a:chOff x="0" y="0"/>
+          <a:chExt cx="0" cy="0"/>
+        </a:xfrm>
+      </p:grpSpPr>
+      <p:sp>
+        <p:nvSpPr>
           <p:cNvPr id="2" name="Title 1"/>
           <p:cNvSpPr>
             <a:spLocks noGrp="1"/>
@@ -4413,765 +5640,7 @@
 </p:sld>
 </file>
 
-<file path=ppt/slides/slide10.xml><?xml version="1.0" encoding="utf-8"?>
-<p:sld xmlns:a="http://schemas.openxmlformats.org/drawingml/2006/main" xmlns:r="http://schemas.openxmlformats.org/officeDocument/2006/relationships" xmlns:p="http://schemas.openxmlformats.org/presentationml/2006/main">
-  <p:cSld>
-    <p:spTree>
-      <p:nvGrpSpPr>
-        <p:cNvPr id="1" name=""/>
-        <p:cNvGrpSpPr/>
-        <p:nvPr/>
-      </p:nvGrpSpPr>
-      <p:grpSpPr>
-        <a:xfrm>
-          <a:off x="0" y="0"/>
-          <a:ext cx="0" cy="0"/>
-          <a:chOff x="0" y="0"/>
-          <a:chExt cx="0" cy="0"/>
-        </a:xfrm>
-      </p:grpSpPr>
-      <p:sp>
-        <p:nvSpPr>
-          <p:cNvPr id="5" name="Title 4"/>
-          <p:cNvSpPr>
-            <a:spLocks noGrp="1"/>
-          </p:cNvSpPr>
-          <p:nvPr>
-            <p:ph type="ctrTitle"/>
-          </p:nvPr>
-        </p:nvSpPr>
-        <p:spPr/>
-        <p:txBody>
-          <a:bodyPr>
-            <a:normAutofit fontScale="90000"/>
-          </a:bodyPr>
-          <a:lstStyle/>
-          <a:p>
-            <a:r>
-              <a:rPr lang="en-US" dirty="0" smtClean="0"/>
-              <a:t>Thanks to @</a:t>
-            </a:r>
-            <a:r>
-              <a:rPr lang="en-US" dirty="0" err="1" smtClean="0"/>
-              <a:t>Sonatype</a:t>
-            </a:r>
-            <a:r>
-              <a:rPr lang="en-US" dirty="0" smtClean="0"/>
-              <a:t> for sponsoring @</a:t>
-            </a:r>
-            <a:r>
-              <a:rPr lang="en-US" dirty="0" err="1" smtClean="0"/>
-              <a:t>devopsdaysdc</a:t>
-            </a:r>
-            <a:r>
-              <a:rPr lang="en-US" dirty="0" smtClean="0"/>
-              <a:t>!</a:t>
-            </a:r>
-            <a:endParaRPr lang="en-US" dirty="0"/>
-          </a:p>
-        </p:txBody>
-      </p:sp>
-      <p:sp>
-        <p:nvSpPr>
-          <p:cNvPr id="6" name="Subtitle 5"/>
-          <p:cNvSpPr>
-            <a:spLocks noGrp="1"/>
-          </p:cNvSpPr>
-          <p:nvPr>
-            <p:ph type="subTitle" idx="1"/>
-          </p:nvPr>
-        </p:nvSpPr>
-        <p:spPr/>
-        <p:txBody>
-          <a:bodyPr/>
-          <a:lstStyle/>
-          <a:p>
-            <a:endParaRPr lang="en-US"/>
-          </a:p>
-        </p:txBody>
-      </p:sp>
-    </p:spTree>
-    <p:extLst>
-      <p:ext uri="{BB962C8B-B14F-4D97-AF65-F5344CB8AC3E}">
-        <p14:creationId xmlns:p14="http://schemas.microsoft.com/office/powerpoint/2010/main" val="3321839521"/>
-      </p:ext>
-    </p:extLst>
-  </p:cSld>
-  <p:clrMapOvr>
-    <a:masterClrMapping/>
-  </p:clrMapOvr>
-</p:sld>
-</file>
-
-<file path=ppt/slides/slide11.xml><?xml version="1.0" encoding="utf-8"?>
-<p:sld xmlns:a="http://schemas.openxmlformats.org/drawingml/2006/main" xmlns:r="http://schemas.openxmlformats.org/officeDocument/2006/relationships" xmlns:p="http://schemas.openxmlformats.org/presentationml/2006/main">
-  <p:cSld>
-    <p:spTree>
-      <p:nvGrpSpPr>
-        <p:cNvPr id="1" name=""/>
-        <p:cNvGrpSpPr/>
-        <p:nvPr/>
-      </p:nvGrpSpPr>
-      <p:grpSpPr>
-        <a:xfrm>
-          <a:off x="0" y="0"/>
-          <a:ext cx="0" cy="0"/>
-          <a:chOff x="0" y="0"/>
-          <a:chExt cx="0" cy="0"/>
-        </a:xfrm>
-      </p:grpSpPr>
-      <p:sp>
-        <p:nvSpPr>
-          <p:cNvPr id="2" name="Title 1"/>
-          <p:cNvSpPr>
-            <a:spLocks noGrp="1"/>
-          </p:cNvSpPr>
-          <p:nvPr>
-            <p:ph type="title"/>
-          </p:nvPr>
-        </p:nvSpPr>
-        <p:spPr/>
-        <p:txBody>
-          <a:bodyPr/>
-          <a:lstStyle/>
-          <a:p>
-            <a:r>
-              <a:rPr lang="en-US" dirty="0" smtClean="0"/>
-              <a:t>Platinum Sponsor</a:t>
-            </a:r>
-            <a:endParaRPr lang="en-US" dirty="0"/>
-          </a:p>
-        </p:txBody>
-      </p:sp>
-      <p:sp>
-        <p:nvSpPr>
-          <p:cNvPr id="3" name="Text Placeholder 2"/>
-          <p:cNvSpPr>
-            <a:spLocks noGrp="1"/>
-          </p:cNvSpPr>
-          <p:nvPr>
-            <p:ph type="body" sz="quarter" idx="13"/>
-          </p:nvPr>
-        </p:nvSpPr>
-        <p:spPr/>
-        <p:txBody>
-          <a:bodyPr/>
-          <a:lstStyle/>
-          <a:p>
-            <a:r>
-              <a:rPr lang="en-US" dirty="0" smtClean="0"/>
-              <a:t>@</a:t>
-            </a:r>
-            <a:r>
-              <a:rPr lang="en-US" dirty="0" err="1" smtClean="0"/>
-              <a:t>ansible</a:t>
-            </a:r>
-            <a:endParaRPr lang="en-US" dirty="0"/>
-          </a:p>
-        </p:txBody>
-      </p:sp>
-      <p:pic>
-        <p:nvPicPr>
-          <p:cNvPr id="6" name="Picture 2"/>
-          <p:cNvPicPr>
-            <a:picLocks noGrp="1" noChangeAspect="1" noChangeArrowheads="1"/>
-          </p:cNvPicPr>
-          <p:nvPr>
-            <p:ph type="pic" sz="quarter" idx="14"/>
-          </p:nvPr>
-        </p:nvPicPr>
-        <p:blipFill>
-          <a:blip r:embed="rId2">
-            <a:extLst>
-              <a:ext uri="{28A0092B-C50C-407E-A947-70E740481C1C}">
-                <a14:useLocalDpi xmlns:a14="http://schemas.microsoft.com/office/drawing/2010/main" val="0"/>
-              </a:ext>
-            </a:extLst>
-          </a:blip>
-          <a:srcRect l="-69032" r="-69032"/>
-          <a:stretch>
-            <a:fillRect/>
-          </a:stretch>
-        </p:blipFill>
-        <p:spPr bwMode="auto">
-          <a:prstGeom prst="rect">
-            <a:avLst/>
-          </a:prstGeom>
-          <a:noFill/>
-          <a:ln>
-            <a:noFill/>
-          </a:ln>
-          <a:effectLst/>
-          <a:extLst>
-            <a:ext uri="{909E8E84-426E-40dd-AFC4-6F175D3DCCD1}">
-              <a14:hiddenFill xmlns:a14="http://schemas.microsoft.com/office/drawing/2010/main">
-                <a:solidFill>
-                  <a:schemeClr val="accent1"/>
-                </a:solidFill>
-              </a14:hiddenFill>
-            </a:ext>
-            <a:ext uri="{91240B29-F687-4f45-9708-019B960494DF}">
-              <a14:hiddenLine xmlns:a14="http://schemas.microsoft.com/office/drawing/2010/main" w="9525">
-                <a:solidFill>
-                  <a:schemeClr val="tx1"/>
-                </a:solidFill>
-                <a:miter lim="800000"/>
-                <a:headEnd/>
-                <a:tailEnd/>
-              </a14:hiddenLine>
-            </a:ext>
-            <a:ext uri="{AF507438-7753-43e0-B8FC-AC1667EBCBE1}">
-              <a14:hiddenEffects xmlns:a14="http://schemas.microsoft.com/office/drawing/2010/main">
-                <a:effectLst>
-                  <a:outerShdw dist="35921" dir="2700000" algn="ctr" rotWithShape="0">
-                    <a:schemeClr val="bg2"/>
-                  </a:outerShdw>
-                </a:effectLst>
-              </a14:hiddenEffects>
-            </a:ext>
-          </a:extLst>
-        </p:spPr>
-      </p:pic>
-    </p:spTree>
-    <p:extLst>
-      <p:ext uri="{BB962C8B-B14F-4D97-AF65-F5344CB8AC3E}">
-        <p14:creationId xmlns:p14="http://schemas.microsoft.com/office/powerpoint/2010/main" val="1180450132"/>
-      </p:ext>
-    </p:extLst>
-  </p:cSld>
-  <p:clrMapOvr>
-    <a:masterClrMapping/>
-  </p:clrMapOvr>
-  <p:transition xmlns:p14="http://schemas.microsoft.com/office/powerpoint/2010/main" spd="slow" advTm="60000">
-    <p:push dir="u"/>
-  </p:transition>
-  <p:timing>
-    <p:tnLst>
-      <p:par>
-        <p:cTn xmlns:p14="http://schemas.microsoft.com/office/powerpoint/2010/main" id="1" dur="indefinite" restart="never" nodeType="tmRoot"/>
-      </p:par>
-    </p:tnLst>
-  </p:timing>
-</p:sld>
-</file>
-
-<file path=ppt/slides/slide12.xml><?xml version="1.0" encoding="utf-8"?>
-<p:sld xmlns:a="http://schemas.openxmlformats.org/drawingml/2006/main" xmlns:r="http://schemas.openxmlformats.org/officeDocument/2006/relationships" xmlns:p="http://schemas.openxmlformats.org/presentationml/2006/main">
-  <p:cSld>
-    <p:spTree>
-      <p:nvGrpSpPr>
-        <p:cNvPr id="1" name=""/>
-        <p:cNvGrpSpPr/>
-        <p:nvPr/>
-      </p:nvGrpSpPr>
-      <p:grpSpPr>
-        <a:xfrm>
-          <a:off x="0" y="0"/>
-          <a:ext cx="0" cy="0"/>
-          <a:chOff x="0" y="0"/>
-          <a:chExt cx="0" cy="0"/>
-        </a:xfrm>
-      </p:grpSpPr>
-      <p:sp>
-        <p:nvSpPr>
-          <p:cNvPr id="5" name="Title 4"/>
-          <p:cNvSpPr>
-            <a:spLocks noGrp="1"/>
-          </p:cNvSpPr>
-          <p:nvPr>
-            <p:ph type="ctrTitle"/>
-          </p:nvPr>
-        </p:nvSpPr>
-        <p:spPr/>
-        <p:txBody>
-          <a:bodyPr>
-            <a:normAutofit fontScale="90000"/>
-          </a:bodyPr>
-          <a:lstStyle/>
-          <a:p>
-            <a:r>
-              <a:rPr lang="en-US" dirty="0" smtClean="0"/>
-              <a:t>Thanks to @</a:t>
-            </a:r>
-            <a:r>
-              <a:rPr lang="en-US" dirty="0" err="1" smtClean="0"/>
-              <a:t>ansible</a:t>
-            </a:r>
-            <a:r>
-              <a:rPr lang="en-US" dirty="0" smtClean="0"/>
-              <a:t> for sponsoring @</a:t>
-            </a:r>
-            <a:r>
-              <a:rPr lang="en-US" dirty="0" err="1" smtClean="0"/>
-              <a:t>devopsdaysdc</a:t>
-            </a:r>
-            <a:r>
-              <a:rPr lang="en-US" dirty="0" smtClean="0"/>
-              <a:t>!</a:t>
-            </a:r>
-            <a:endParaRPr lang="en-US" dirty="0"/>
-          </a:p>
-        </p:txBody>
-      </p:sp>
-      <p:sp>
-        <p:nvSpPr>
-          <p:cNvPr id="6" name="Subtitle 5"/>
-          <p:cNvSpPr>
-            <a:spLocks noGrp="1"/>
-          </p:cNvSpPr>
-          <p:nvPr>
-            <p:ph type="subTitle" idx="1"/>
-          </p:nvPr>
-        </p:nvSpPr>
-        <p:spPr/>
-        <p:txBody>
-          <a:bodyPr/>
-          <a:lstStyle/>
-          <a:p>
-            <a:endParaRPr lang="en-US"/>
-          </a:p>
-        </p:txBody>
-      </p:sp>
-    </p:spTree>
-    <p:extLst>
-      <p:ext uri="{BB962C8B-B14F-4D97-AF65-F5344CB8AC3E}">
-        <p14:creationId xmlns:p14="http://schemas.microsoft.com/office/powerpoint/2010/main" val="2924298118"/>
-      </p:ext>
-    </p:extLst>
-  </p:cSld>
-  <p:clrMapOvr>
-    <a:masterClrMapping/>
-  </p:clrMapOvr>
-</p:sld>
-</file>
-
-<file path=ppt/slides/slide13.xml><?xml version="1.0" encoding="utf-8"?>
-<p:sld xmlns:a="http://schemas.openxmlformats.org/drawingml/2006/main" xmlns:r="http://schemas.openxmlformats.org/officeDocument/2006/relationships" xmlns:p="http://schemas.openxmlformats.org/presentationml/2006/main">
-  <p:cSld>
-    <p:spTree>
-      <p:nvGrpSpPr>
-        <p:cNvPr id="1" name=""/>
-        <p:cNvGrpSpPr/>
-        <p:nvPr/>
-      </p:nvGrpSpPr>
-      <p:grpSpPr>
-        <a:xfrm>
-          <a:off x="0" y="0"/>
-          <a:ext cx="0" cy="0"/>
-          <a:chOff x="0" y="0"/>
-          <a:chExt cx="0" cy="0"/>
-        </a:xfrm>
-      </p:grpSpPr>
-      <p:sp>
-        <p:nvSpPr>
-          <p:cNvPr id="2" name="Title 1"/>
-          <p:cNvSpPr>
-            <a:spLocks noGrp="1"/>
-          </p:cNvSpPr>
-          <p:nvPr>
-            <p:ph type="title"/>
-          </p:nvPr>
-        </p:nvSpPr>
-        <p:spPr/>
-        <p:txBody>
-          <a:bodyPr/>
-          <a:lstStyle/>
-          <a:p>
-            <a:r>
-              <a:rPr lang="en-US" dirty="0" smtClean="0"/>
-              <a:t>Platinum Sponsor</a:t>
-            </a:r>
-            <a:endParaRPr lang="en-US" dirty="0"/>
-          </a:p>
-        </p:txBody>
-      </p:sp>
-      <p:sp>
-        <p:nvSpPr>
-          <p:cNvPr id="3" name="Text Placeholder 2"/>
-          <p:cNvSpPr>
-            <a:spLocks noGrp="1"/>
-          </p:cNvSpPr>
-          <p:nvPr>
-            <p:ph type="body" sz="quarter" idx="13"/>
-          </p:nvPr>
-        </p:nvSpPr>
-        <p:spPr/>
-        <p:txBody>
-          <a:bodyPr/>
-          <a:lstStyle/>
-          <a:p>
-            <a:r>
-              <a:rPr lang="en-US" dirty="0" smtClean="0"/>
-              <a:t>@</a:t>
-            </a:r>
-            <a:r>
-              <a:rPr lang="en-US" dirty="0" err="1" smtClean="0"/>
-              <a:t>netuitive</a:t>
-            </a:r>
-            <a:endParaRPr lang="en-US" dirty="0"/>
-          </a:p>
-        </p:txBody>
-      </p:sp>
-      <p:pic>
-        <p:nvPicPr>
-          <p:cNvPr id="8" name="Picture 5"/>
-          <p:cNvPicPr>
-            <a:picLocks noGrp="1" noChangeAspect="1" noChangeArrowheads="1"/>
-          </p:cNvPicPr>
-          <p:nvPr>
-            <p:ph type="pic" sz="quarter" idx="14"/>
-          </p:nvPr>
-        </p:nvPicPr>
-        <p:blipFill>
-          <a:blip r:embed="rId2">
-            <a:extLst>
-              <a:ext uri="{28A0092B-C50C-407E-A947-70E740481C1C}">
-                <a14:useLocalDpi xmlns:a14="http://schemas.microsoft.com/office/drawing/2010/main" val="0"/>
-              </a:ext>
-            </a:extLst>
-          </a:blip>
-          <a:srcRect t="-45258" b="-45258"/>
-          <a:stretch>
-            <a:fillRect/>
-          </a:stretch>
-        </p:blipFill>
-        <p:spPr bwMode="auto">
-          <a:prstGeom prst="rect">
-            <a:avLst/>
-          </a:prstGeom>
-          <a:noFill/>
-          <a:extLst>
-            <a:ext uri="{909E8E84-426E-40dd-AFC4-6F175D3DCCD1}">
-              <a14:hiddenFill xmlns:a14="http://schemas.microsoft.com/office/drawing/2010/main">
-                <a:solidFill>
-                  <a:srgbClr val="FFFFFF"/>
-                </a:solidFill>
-              </a14:hiddenFill>
-            </a:ext>
-          </a:extLst>
-        </p:spPr>
-      </p:pic>
-    </p:spTree>
-    <p:extLst>
-      <p:ext uri="{BB962C8B-B14F-4D97-AF65-F5344CB8AC3E}">
-        <p14:creationId xmlns:p14="http://schemas.microsoft.com/office/powerpoint/2010/main" val="2053817247"/>
-      </p:ext>
-    </p:extLst>
-  </p:cSld>
-  <p:clrMapOvr>
-    <a:masterClrMapping/>
-  </p:clrMapOvr>
-  <p:transition xmlns:p14="http://schemas.microsoft.com/office/powerpoint/2010/main" spd="slow" advTm="60000">
-    <p:push dir="u"/>
-  </p:transition>
-  <p:timing>
-    <p:tnLst>
-      <p:par>
-        <p:cTn xmlns:p14="http://schemas.microsoft.com/office/powerpoint/2010/main" id="1" dur="indefinite" restart="never" nodeType="tmRoot"/>
-      </p:par>
-    </p:tnLst>
-  </p:timing>
-</p:sld>
-</file>
-
-<file path=ppt/slides/slide14.xml><?xml version="1.0" encoding="utf-8"?>
-<p:sld xmlns:a="http://schemas.openxmlformats.org/drawingml/2006/main" xmlns:r="http://schemas.openxmlformats.org/officeDocument/2006/relationships" xmlns:p="http://schemas.openxmlformats.org/presentationml/2006/main">
-  <p:cSld>
-    <p:spTree>
-      <p:nvGrpSpPr>
-        <p:cNvPr id="1" name=""/>
-        <p:cNvGrpSpPr/>
-        <p:nvPr/>
-      </p:nvGrpSpPr>
-      <p:grpSpPr>
-        <a:xfrm>
-          <a:off x="0" y="0"/>
-          <a:ext cx="0" cy="0"/>
-          <a:chOff x="0" y="0"/>
-          <a:chExt cx="0" cy="0"/>
-        </a:xfrm>
-      </p:grpSpPr>
-      <p:sp>
-        <p:nvSpPr>
-          <p:cNvPr id="5" name="Title 4"/>
-          <p:cNvSpPr>
-            <a:spLocks noGrp="1"/>
-          </p:cNvSpPr>
-          <p:nvPr>
-            <p:ph type="ctrTitle"/>
-          </p:nvPr>
-        </p:nvSpPr>
-        <p:spPr/>
-        <p:txBody>
-          <a:bodyPr>
-            <a:normAutofit fontScale="90000"/>
-          </a:bodyPr>
-          <a:lstStyle/>
-          <a:p>
-            <a:r>
-              <a:rPr lang="en-US" dirty="0" smtClean="0"/>
-              <a:t>Thanks to @</a:t>
-            </a:r>
-            <a:r>
-              <a:rPr lang="en-US" dirty="0" err="1" smtClean="0"/>
-              <a:t>netuitive</a:t>
-            </a:r>
-            <a:r>
-              <a:rPr lang="en-US" dirty="0" smtClean="0"/>
-              <a:t> for sponsoring @</a:t>
-            </a:r>
-            <a:r>
-              <a:rPr lang="en-US" dirty="0" err="1" smtClean="0"/>
-              <a:t>devopsdaysdc</a:t>
-            </a:r>
-            <a:r>
-              <a:rPr lang="en-US" dirty="0" smtClean="0"/>
-              <a:t>!</a:t>
-            </a:r>
-            <a:endParaRPr lang="en-US" dirty="0"/>
-          </a:p>
-        </p:txBody>
-      </p:sp>
-      <p:sp>
-        <p:nvSpPr>
-          <p:cNvPr id="6" name="Subtitle 5"/>
-          <p:cNvSpPr>
-            <a:spLocks noGrp="1"/>
-          </p:cNvSpPr>
-          <p:nvPr>
-            <p:ph type="subTitle" idx="1"/>
-          </p:nvPr>
-        </p:nvSpPr>
-        <p:spPr/>
-        <p:txBody>
-          <a:bodyPr/>
-          <a:lstStyle/>
-          <a:p>
-            <a:endParaRPr lang="en-US"/>
-          </a:p>
-        </p:txBody>
-      </p:sp>
-    </p:spTree>
-    <p:extLst>
-      <p:ext uri="{BB962C8B-B14F-4D97-AF65-F5344CB8AC3E}">
-        <p14:creationId xmlns:p14="http://schemas.microsoft.com/office/powerpoint/2010/main" val="3344581441"/>
-      </p:ext>
-    </p:extLst>
-  </p:cSld>
-  <p:clrMapOvr>
-    <a:masterClrMapping/>
-  </p:clrMapOvr>
-</p:sld>
-</file>
-
-<file path=ppt/slides/slide15.xml><?xml version="1.0" encoding="utf-8"?>
-<p:sld xmlns:a="http://schemas.openxmlformats.org/drawingml/2006/main" xmlns:r="http://schemas.openxmlformats.org/officeDocument/2006/relationships" xmlns:p="http://schemas.openxmlformats.org/presentationml/2006/main">
-  <p:cSld>
-    <p:spTree>
-      <p:nvGrpSpPr>
-        <p:cNvPr id="1" name=""/>
-        <p:cNvGrpSpPr/>
-        <p:nvPr/>
-      </p:nvGrpSpPr>
-      <p:grpSpPr>
-        <a:xfrm>
-          <a:off x="0" y="0"/>
-          <a:ext cx="0" cy="0"/>
-          <a:chOff x="0" y="0"/>
-          <a:chExt cx="0" cy="0"/>
-        </a:xfrm>
-      </p:grpSpPr>
-      <p:sp>
-        <p:nvSpPr>
-          <p:cNvPr id="2" name="Title 1"/>
-          <p:cNvSpPr>
-            <a:spLocks noGrp="1"/>
-          </p:cNvSpPr>
-          <p:nvPr>
-            <p:ph type="title"/>
-          </p:nvPr>
-        </p:nvSpPr>
-        <p:spPr/>
-        <p:txBody>
-          <a:bodyPr/>
-          <a:lstStyle/>
-          <a:p>
-            <a:r>
-              <a:rPr lang="en-US" dirty="0" smtClean="0"/>
-              <a:t>Platinum Sponsor</a:t>
-            </a:r>
-            <a:endParaRPr lang="en-US" dirty="0"/>
-          </a:p>
-        </p:txBody>
-      </p:sp>
-      <p:sp>
-        <p:nvSpPr>
-          <p:cNvPr id="3" name="Text Placeholder 2"/>
-          <p:cNvSpPr>
-            <a:spLocks noGrp="1"/>
-          </p:cNvSpPr>
-          <p:nvPr>
-            <p:ph type="body" sz="quarter" idx="13"/>
-          </p:nvPr>
-        </p:nvSpPr>
-        <p:spPr/>
-        <p:txBody>
-          <a:bodyPr/>
-          <a:lstStyle/>
-          <a:p>
-            <a:r>
-              <a:rPr lang="en-US" dirty="0" smtClean="0"/>
-              <a:t>@chef</a:t>
-            </a:r>
-            <a:endParaRPr lang="en-US" dirty="0"/>
-          </a:p>
-        </p:txBody>
-      </p:sp>
-      <p:pic>
-        <p:nvPicPr>
-          <p:cNvPr id="7" name="Picture 2" descr="http://upload.wikimedia.org/wikipedia/en/5/56/Chef_Software_Inc._company_logo.png"/>
-          <p:cNvPicPr>
-            <a:picLocks noGrp="1" noChangeAspect="1" noChangeArrowheads="1"/>
-          </p:cNvPicPr>
-          <p:nvPr>
-            <p:ph type="pic" sz="quarter" idx="14"/>
-          </p:nvPr>
-        </p:nvPicPr>
-        <p:blipFill>
-          <a:blip r:embed="rId2" cstate="print">
-            <a:extLst>
-              <a:ext uri="{28A0092B-C50C-407E-A947-70E740481C1C}">
-                <a14:useLocalDpi xmlns:a14="http://schemas.microsoft.com/office/drawing/2010/main" val="0"/>
-              </a:ext>
-            </a:extLst>
-          </a:blip>
-          <a:srcRect l="-83227" r="-83227"/>
-          <a:stretch>
-            <a:fillRect/>
-          </a:stretch>
-        </p:blipFill>
-        <p:spPr bwMode="auto">
-          <a:prstGeom prst="rect">
-            <a:avLst/>
-          </a:prstGeom>
-          <a:noFill/>
-          <a:extLst>
-            <a:ext uri="{909E8E84-426E-40dd-AFC4-6F175D3DCCD1}">
-              <a14:hiddenFill xmlns:a14="http://schemas.microsoft.com/office/drawing/2010/main">
-                <a:solidFill>
-                  <a:srgbClr val="FFFFFF"/>
-                </a:solidFill>
-              </a14:hiddenFill>
-            </a:ext>
-          </a:extLst>
-        </p:spPr>
-      </p:pic>
-    </p:spTree>
-    <p:extLst>
-      <p:ext uri="{BB962C8B-B14F-4D97-AF65-F5344CB8AC3E}">
-        <p14:creationId xmlns:p14="http://schemas.microsoft.com/office/powerpoint/2010/main" val="120216747"/>
-      </p:ext>
-    </p:extLst>
-  </p:cSld>
-  <p:clrMapOvr>
-    <a:masterClrMapping/>
-  </p:clrMapOvr>
-  <p:transition xmlns:p14="http://schemas.microsoft.com/office/powerpoint/2010/main" spd="slow" advTm="60000">
-    <p:push dir="u"/>
-  </p:transition>
-  <p:timing>
-    <p:tnLst>
-      <p:par>
-        <p:cTn xmlns:p14="http://schemas.microsoft.com/office/powerpoint/2010/main" id="1" dur="indefinite" restart="never" nodeType="tmRoot"/>
-      </p:par>
-    </p:tnLst>
-  </p:timing>
-</p:sld>
-</file>
-
-<file path=ppt/slides/slide16.xml><?xml version="1.0" encoding="utf-8"?>
-<p:sld xmlns:a="http://schemas.openxmlformats.org/drawingml/2006/main" xmlns:r="http://schemas.openxmlformats.org/officeDocument/2006/relationships" xmlns:p="http://schemas.openxmlformats.org/presentationml/2006/main">
-  <p:cSld>
-    <p:spTree>
-      <p:nvGrpSpPr>
-        <p:cNvPr id="1" name=""/>
-        <p:cNvGrpSpPr/>
-        <p:nvPr/>
-      </p:nvGrpSpPr>
-      <p:grpSpPr>
-        <a:xfrm>
-          <a:off x="0" y="0"/>
-          <a:ext cx="0" cy="0"/>
-          <a:chOff x="0" y="0"/>
-          <a:chExt cx="0" cy="0"/>
-        </a:xfrm>
-      </p:grpSpPr>
-      <p:sp>
-        <p:nvSpPr>
-          <p:cNvPr id="5" name="Title 4"/>
-          <p:cNvSpPr>
-            <a:spLocks noGrp="1"/>
-          </p:cNvSpPr>
-          <p:nvPr>
-            <p:ph type="ctrTitle"/>
-          </p:nvPr>
-        </p:nvSpPr>
-        <p:spPr/>
-        <p:txBody>
-          <a:bodyPr>
-            <a:normAutofit fontScale="90000"/>
-          </a:bodyPr>
-          <a:lstStyle/>
-          <a:p>
-            <a:r>
-              <a:rPr lang="en-US" dirty="0" smtClean="0"/>
-              <a:t>Thanks to @chef for sponsoring @</a:t>
-            </a:r>
-            <a:r>
-              <a:rPr lang="en-US" dirty="0" err="1" smtClean="0"/>
-              <a:t>devopsdaysdc</a:t>
-            </a:r>
-            <a:r>
-              <a:rPr lang="en-US" dirty="0" smtClean="0"/>
-              <a:t>!</a:t>
-            </a:r>
-            <a:endParaRPr lang="en-US" dirty="0"/>
-          </a:p>
-        </p:txBody>
-      </p:sp>
-      <p:sp>
-        <p:nvSpPr>
-          <p:cNvPr id="6" name="Subtitle 5"/>
-          <p:cNvSpPr>
-            <a:spLocks noGrp="1"/>
-          </p:cNvSpPr>
-          <p:nvPr>
-            <p:ph type="subTitle" idx="1"/>
-          </p:nvPr>
-        </p:nvSpPr>
-        <p:spPr/>
-        <p:txBody>
-          <a:bodyPr/>
-          <a:lstStyle/>
-          <a:p>
-            <a:endParaRPr lang="en-US"/>
-          </a:p>
-        </p:txBody>
-      </p:sp>
-    </p:spTree>
-    <p:extLst>
-      <p:ext uri="{BB962C8B-B14F-4D97-AF65-F5344CB8AC3E}">
-        <p14:creationId xmlns:p14="http://schemas.microsoft.com/office/powerpoint/2010/main" val="2075116433"/>
-      </p:ext>
-    </p:extLst>
-  </p:cSld>
-  <p:clrMapOvr>
-    <a:masterClrMapping/>
-  </p:clrMapOvr>
-</p:sld>
-</file>
-
-<file path=ppt/slides/slide17.xml><?xml version="1.0" encoding="utf-8"?>
+<file path=ppt/slides/slide20.xml><?xml version="1.0" encoding="utf-8"?>
 <p:sld xmlns:a="http://schemas.openxmlformats.org/drawingml/2006/main" xmlns:r="http://schemas.openxmlformats.org/officeDocument/2006/relationships" xmlns:p="http://schemas.openxmlformats.org/presentationml/2006/main">
   <p:cSld>
     <p:spTree>
@@ -5311,7 +5780,7 @@
 </p:sld>
 </file>
 
-<file path=ppt/slides/slide18.xml><?xml version="1.0" encoding="utf-8"?>
+<file path=ppt/slides/slide21.xml><?xml version="1.0" encoding="utf-8"?>
 <p:sld xmlns:a="http://schemas.openxmlformats.org/drawingml/2006/main" xmlns:r="http://schemas.openxmlformats.org/officeDocument/2006/relationships" xmlns:p="http://schemas.openxmlformats.org/presentationml/2006/main">
   <p:cSld>
     <p:spTree>
@@ -5347,15 +5816,19 @@
           <a:p>
             <a:r>
               <a:rPr lang="en-US" dirty="0" smtClean="0"/>
-              <a:t>Thanks to @elastic for sponsoring @</a:t>
+              <a:t>Thanks to @elastic for sponsoring </a:t>
+            </a:r>
+            <a:r>
+              <a:rPr lang="en-US" dirty="0" smtClean="0"/>
+              <a:t>#</a:t>
             </a:r>
             <a:r>
               <a:rPr lang="en-US" dirty="0" err="1" smtClean="0"/>
-              <a:t>devopsdaysdc</a:t>
-            </a:r>
-            <a:r>
-              <a:rPr lang="en-US" dirty="0" smtClean="0"/>
-              <a:t>!</a:t>
+              <a:t>DevOpsDays</a:t>
+            </a:r>
+            <a:r>
+              <a:rPr lang="en-US" dirty="0" smtClean="0"/>
+              <a:t> DC!</a:t>
             </a:r>
             <a:endParaRPr lang="en-US" dirty="0"/>
           </a:p>
@@ -5393,7 +5866,7 @@
 </p:sld>
 </file>
 
-<file path=ppt/slides/slide19.xml><?xml version="1.0" encoding="utf-8"?>
+<file path=ppt/slides/slide22.xml><?xml version="1.0" encoding="utf-8"?>
 <p:sld xmlns:a="http://schemas.openxmlformats.org/drawingml/2006/main" xmlns:r="http://schemas.openxmlformats.org/officeDocument/2006/relationships" xmlns:p="http://schemas.openxmlformats.org/presentationml/2006/main">
   <p:cSld>
     <p:spTree>
@@ -5539,7 +6012,7 @@
 </p:sld>
 </file>
 
-<file path=ppt/slides/slide2.xml><?xml version="1.0" encoding="utf-8"?>
+<file path=ppt/slides/slide23.xml><?xml version="1.0" encoding="utf-8"?>
 <p:sld xmlns:a="http://schemas.openxmlformats.org/drawingml/2006/main" xmlns:r="http://schemas.openxmlformats.org/officeDocument/2006/relationships" xmlns:p="http://schemas.openxmlformats.org/presentationml/2006/main">
   <p:cSld>
     <p:spTree>
@@ -5579,116 +6052,23 @@
             </a:r>
             <a:r>
               <a:rPr lang="en-US" dirty="0" err="1" smtClean="0"/>
-              <a:t>excellaco</a:t>
-            </a:r>
-            <a:r>
-              <a:rPr lang="en-US" dirty="0" smtClean="0"/>
-              <a:t> for sponsoring @</a:t>
+              <a:t>redhatsoftware</a:t>
+            </a:r>
+            <a:r>
+              <a:rPr lang="en-US" dirty="0" smtClean="0"/>
+              <a:t> for sponsoring </a:t>
+            </a:r>
+            <a:r>
+              <a:rPr lang="en-US" dirty="0" smtClean="0"/>
+              <a:t>#</a:t>
             </a:r>
             <a:r>
               <a:rPr lang="en-US" dirty="0" err="1" smtClean="0"/>
-              <a:t>devopsdaysdc</a:t>
-            </a:r>
-            <a:r>
-              <a:rPr lang="en-US" dirty="0" smtClean="0"/>
-              <a:t>!</a:t>
-            </a:r>
-            <a:endParaRPr lang="en-US" dirty="0"/>
-          </a:p>
-        </p:txBody>
-      </p:sp>
-      <p:sp>
-        <p:nvSpPr>
-          <p:cNvPr id="6" name="Subtitle 5"/>
-          <p:cNvSpPr>
-            <a:spLocks noGrp="1"/>
-          </p:cNvSpPr>
-          <p:nvPr>
-            <p:ph type="subTitle" idx="1"/>
-          </p:nvPr>
-        </p:nvSpPr>
-        <p:spPr/>
-        <p:txBody>
-          <a:bodyPr/>
-          <a:lstStyle/>
-          <a:p>
-            <a:endParaRPr lang="en-US"/>
-          </a:p>
-        </p:txBody>
-      </p:sp>
-    </p:spTree>
-    <p:extLst>
-      <p:ext uri="{BB962C8B-B14F-4D97-AF65-F5344CB8AC3E}">
-        <p14:creationId xmlns:p14="http://schemas.microsoft.com/office/powerpoint/2010/main" val="594925352"/>
-      </p:ext>
-    </p:extLst>
-  </p:cSld>
-  <p:clrMapOvr>
-    <a:masterClrMapping/>
-  </p:clrMapOvr>
-  <p:timing>
-    <p:tnLst>
-      <p:par>
-        <p:cTn xmlns:p14="http://schemas.microsoft.com/office/powerpoint/2010/main" id="1" dur="indefinite" restart="never" nodeType="tmRoot"/>
-      </p:par>
-    </p:tnLst>
-  </p:timing>
-</p:sld>
-</file>
-
-<file path=ppt/slides/slide20.xml><?xml version="1.0" encoding="utf-8"?>
-<p:sld xmlns:a="http://schemas.openxmlformats.org/drawingml/2006/main" xmlns:r="http://schemas.openxmlformats.org/officeDocument/2006/relationships" xmlns:p="http://schemas.openxmlformats.org/presentationml/2006/main">
-  <p:cSld>
-    <p:spTree>
-      <p:nvGrpSpPr>
-        <p:cNvPr id="1" name=""/>
-        <p:cNvGrpSpPr/>
-        <p:nvPr/>
-      </p:nvGrpSpPr>
-      <p:grpSpPr>
-        <a:xfrm>
-          <a:off x="0" y="0"/>
-          <a:ext cx="0" cy="0"/>
-          <a:chOff x="0" y="0"/>
-          <a:chExt cx="0" cy="0"/>
-        </a:xfrm>
-      </p:grpSpPr>
-      <p:sp>
-        <p:nvSpPr>
-          <p:cNvPr id="5" name="Title 4"/>
-          <p:cNvSpPr>
-            <a:spLocks noGrp="1"/>
-          </p:cNvSpPr>
-          <p:nvPr>
-            <p:ph type="ctrTitle"/>
-          </p:nvPr>
-        </p:nvSpPr>
-        <p:spPr/>
-        <p:txBody>
-          <a:bodyPr>
-            <a:normAutofit fontScale="90000"/>
-          </a:bodyPr>
-          <a:lstStyle/>
-          <a:p>
-            <a:r>
-              <a:rPr lang="en-US" dirty="0" smtClean="0"/>
-              <a:t>Thanks to @</a:t>
-            </a:r>
-            <a:r>
-              <a:rPr lang="en-US" dirty="0" err="1" smtClean="0"/>
-              <a:t>redhatsoftware</a:t>
-            </a:r>
-            <a:r>
-              <a:rPr lang="en-US" dirty="0" smtClean="0"/>
-              <a:t> for sponsoring @</a:t>
-            </a:r>
-            <a:r>
-              <a:rPr lang="en-US" dirty="0" err="1" smtClean="0"/>
-              <a:t>devopsdaysdc</a:t>
-            </a:r>
-            <a:r>
-              <a:rPr lang="en-US" dirty="0" smtClean="0"/>
-              <a:t>!</a:t>
+              <a:t>DevOpsDays</a:t>
+            </a:r>
+            <a:r>
+              <a:rPr lang="en-US" dirty="0" smtClean="0"/>
+              <a:t> DC!</a:t>
             </a:r>
             <a:endParaRPr lang="en-US" dirty="0"/>
           </a:p>
@@ -5726,7 +6106,7 @@
 </p:sld>
 </file>
 
-<file path=ppt/slides/slide21.xml><?xml version="1.0" encoding="utf-8"?>
+<file path=ppt/slides/slide24.xml><?xml version="1.0" encoding="utf-8"?>
 <p:sld xmlns:a="http://schemas.openxmlformats.org/drawingml/2006/main" xmlns:r="http://schemas.openxmlformats.org/officeDocument/2006/relationships" xmlns:p="http://schemas.openxmlformats.org/presentationml/2006/main">
   <p:cSld>
     <p:spTree>
@@ -5855,7 +6235,7 @@
 </p:sld>
 </file>
 
-<file path=ppt/slides/slide22.xml><?xml version="1.0" encoding="utf-8"?>
+<file path=ppt/slides/slide25.xml><?xml version="1.0" encoding="utf-8"?>
 <p:sld xmlns:a="http://schemas.openxmlformats.org/drawingml/2006/main" xmlns:r="http://schemas.openxmlformats.org/officeDocument/2006/relationships" xmlns:p="http://schemas.openxmlformats.org/presentationml/2006/main">
   <p:cSld>
     <p:spTree>
@@ -5899,15 +6279,19 @@
             </a:r>
             <a:r>
               <a:rPr lang="en-US" dirty="0" smtClean="0"/>
-              <a:t> for sponsoring @</a:t>
+              <a:t> for sponsoring </a:t>
+            </a:r>
+            <a:r>
+              <a:rPr lang="en-US" dirty="0" smtClean="0"/>
+              <a:t>#</a:t>
             </a:r>
             <a:r>
               <a:rPr lang="en-US" dirty="0" err="1" smtClean="0"/>
-              <a:t>devopsdaysdc</a:t>
-            </a:r>
-            <a:r>
-              <a:rPr lang="en-US" dirty="0" smtClean="0"/>
-              <a:t>!</a:t>
+              <a:t>DevOpsDays</a:t>
+            </a:r>
+            <a:r>
+              <a:rPr lang="en-US" dirty="0" smtClean="0"/>
+              <a:t> DC!</a:t>
             </a:r>
             <a:endParaRPr lang="en-US" dirty="0"/>
           </a:p>
@@ -5945,7 +6329,96 @@
 </p:sld>
 </file>
 
-<file path=ppt/slides/slide23.xml><?xml version="1.0" encoding="utf-8"?>
+<file path=ppt/slides/slide26.xml><?xml version="1.0" encoding="utf-8"?>
+<p:sld xmlns:a="http://schemas.openxmlformats.org/drawingml/2006/main" xmlns:r="http://schemas.openxmlformats.org/officeDocument/2006/relationships" xmlns:p="http://schemas.openxmlformats.org/presentationml/2006/main">
+  <p:cSld>
+    <p:spTree>
+      <p:nvGrpSpPr>
+        <p:cNvPr id="1" name=""/>
+        <p:cNvGrpSpPr/>
+        <p:nvPr/>
+      </p:nvGrpSpPr>
+      <p:grpSpPr>
+        <a:xfrm>
+          <a:off x="0" y="0"/>
+          <a:ext cx="0" cy="0"/>
+          <a:chOff x="0" y="0"/>
+          <a:chExt cx="0" cy="0"/>
+        </a:xfrm>
+      </p:grpSpPr>
+      <p:sp>
+        <p:nvSpPr>
+          <p:cNvPr id="5" name="Title 4"/>
+          <p:cNvSpPr>
+            <a:spLocks noGrp="1"/>
+          </p:cNvSpPr>
+          <p:nvPr>
+            <p:ph type="ctrTitle"/>
+          </p:nvPr>
+        </p:nvSpPr>
+        <p:spPr/>
+        <p:txBody>
+          <a:bodyPr>
+            <a:normAutofit/>
+          </a:bodyPr>
+          <a:lstStyle/>
+          <a:p>
+            <a:r>
+              <a:rPr lang="en-US" dirty="0" err="1" smtClean="0"/>
+              <a:t>DevOpsDays</a:t>
+            </a:r>
+            <a:r>
+              <a:rPr lang="en-US" dirty="0" smtClean="0"/>
+              <a:t> DC</a:t>
+            </a:r>
+            <a:endParaRPr lang="en-US" dirty="0"/>
+          </a:p>
+        </p:txBody>
+      </p:sp>
+      <p:sp>
+        <p:nvSpPr>
+          <p:cNvPr id="6" name="Subtitle 5"/>
+          <p:cNvSpPr>
+            <a:spLocks noGrp="1"/>
+          </p:cNvSpPr>
+          <p:nvPr>
+            <p:ph type="subTitle" idx="1"/>
+          </p:nvPr>
+        </p:nvSpPr>
+        <p:spPr/>
+        <p:txBody>
+          <a:bodyPr/>
+          <a:lstStyle/>
+          <a:p>
+            <a:r>
+              <a:rPr lang="en-US" dirty="0" smtClean="0"/>
+              <a:t>Sponsor Pitches</a:t>
+            </a:r>
+            <a:endParaRPr lang="en-US" dirty="0"/>
+          </a:p>
+        </p:txBody>
+      </p:sp>
+    </p:spTree>
+    <p:extLst>
+      <p:ext uri="{BB962C8B-B14F-4D97-AF65-F5344CB8AC3E}">
+        <p14:creationId xmlns:p14="http://schemas.microsoft.com/office/powerpoint/2010/main" val="2402416593"/>
+      </p:ext>
+    </p:extLst>
+  </p:cSld>
+  <p:clrMapOvr>
+    <a:masterClrMapping/>
+  </p:clrMapOvr>
+  <p:timing>
+    <p:tnLst>
+      <p:par>
+        <p:cTn xmlns:p14="http://schemas.microsoft.com/office/powerpoint/2010/main" id="1" dur="indefinite" restart="never" nodeType="tmRoot"/>
+      </p:par>
+    </p:tnLst>
+  </p:timing>
+</p:sld>
+</file>
+
+<file path=ppt/slides/slide27.xml><?xml version="1.0" encoding="utf-8"?>
 <p:sld xmlns:a="http://schemas.openxmlformats.org/drawingml/2006/main" xmlns:r="http://schemas.openxmlformats.org/officeDocument/2006/relationships" xmlns:p="http://schemas.openxmlformats.org/presentationml/2006/main">
   <p:cSld>
     <p:spTree>
@@ -6101,7 +6574,7 @@
 </p:sld>
 </file>
 
-<file path=ppt/slides/slide24.xml><?xml version="1.0" encoding="utf-8"?>
+<file path=ppt/slides/slide28.xml><?xml version="1.0" encoding="utf-8"?>
 <p:sld xmlns:a="http://schemas.openxmlformats.org/drawingml/2006/main" xmlns:r="http://schemas.openxmlformats.org/officeDocument/2006/relationships" xmlns:p="http://schemas.openxmlformats.org/presentationml/2006/main">
   <p:cSld>
     <p:spTree>
@@ -6145,15 +6618,19 @@
             </a:r>
             <a:r>
               <a:rPr lang="en-US" dirty="0" smtClean="0"/>
-              <a:t> for sponsoring @</a:t>
+              <a:t> for sponsoring </a:t>
+            </a:r>
+            <a:r>
+              <a:rPr lang="en-US" dirty="0" smtClean="0"/>
+              <a:t>#</a:t>
             </a:r>
             <a:r>
               <a:rPr lang="en-US" dirty="0" err="1" smtClean="0"/>
-              <a:t>devopsdaysdc</a:t>
-            </a:r>
-            <a:r>
-              <a:rPr lang="en-US" dirty="0" smtClean="0"/>
-              <a:t>!</a:t>
+              <a:t>DevOpsDays</a:t>
+            </a:r>
+            <a:r>
+              <a:rPr lang="en-US" dirty="0" smtClean="0"/>
+              <a:t> DC!</a:t>
             </a:r>
             <a:endParaRPr lang="en-US" dirty="0"/>
           </a:p>
@@ -6191,7 +6668,7 @@
 </p:sld>
 </file>
 
-<file path=ppt/slides/slide25.xml><?xml version="1.0" encoding="utf-8"?>
+<file path=ppt/slides/slide29.xml><?xml version="1.0" encoding="utf-8"?>
 <p:sld xmlns:a="http://schemas.openxmlformats.org/drawingml/2006/main" xmlns:r="http://schemas.openxmlformats.org/officeDocument/2006/relationships" xmlns:p="http://schemas.openxmlformats.org/presentationml/2006/main">
   <p:cSld>
     <p:spTree>
@@ -6335,7 +6812,7 @@
 </p:sld>
 </file>
 
-<file path=ppt/slides/slide26.xml><?xml version="1.0" encoding="utf-8"?>
+<file path=ppt/slides/slide3.xml><?xml version="1.0" encoding="utf-8"?>
 <p:sld xmlns:a="http://schemas.openxmlformats.org/drawingml/2006/main" xmlns:r="http://schemas.openxmlformats.org/officeDocument/2006/relationships" xmlns:p="http://schemas.openxmlformats.org/presentationml/2006/main">
   <p:cSld>
     <p:spTree>
@@ -6371,6 +6848,115 @@
           <a:p>
             <a:r>
               <a:rPr lang="en-US" dirty="0" smtClean="0"/>
+              <a:t>Thanks to </a:t>
+            </a:r>
+            <a:r>
+              <a:rPr lang="en-US" dirty="0" smtClean="0"/>
+              <a:t>@</a:t>
+            </a:r>
+            <a:r>
+              <a:rPr lang="en-US" dirty="0" err="1" smtClean="0"/>
+              <a:t>ExcellaCo</a:t>
+            </a:r>
+            <a:r>
+              <a:rPr lang="en-US" dirty="0" smtClean="0"/>
+              <a:t> </a:t>
+            </a:r>
+            <a:r>
+              <a:rPr lang="en-US" dirty="0" smtClean="0"/>
+              <a:t>for sponsoring </a:t>
+            </a:r>
+            <a:r>
+              <a:rPr lang="en-US" dirty="0" smtClean="0"/>
+              <a:t>#</a:t>
+            </a:r>
+            <a:r>
+              <a:rPr lang="en-US" dirty="0" err="1" smtClean="0"/>
+              <a:t>DevOpsDays</a:t>
+            </a:r>
+            <a:r>
+              <a:rPr lang="en-US" dirty="0" smtClean="0"/>
+              <a:t> DC!</a:t>
+            </a:r>
+            <a:endParaRPr lang="en-US" dirty="0"/>
+          </a:p>
+        </p:txBody>
+      </p:sp>
+      <p:sp>
+        <p:nvSpPr>
+          <p:cNvPr id="6" name="Subtitle 5"/>
+          <p:cNvSpPr>
+            <a:spLocks noGrp="1"/>
+          </p:cNvSpPr>
+          <p:nvPr>
+            <p:ph type="subTitle" idx="1"/>
+          </p:nvPr>
+        </p:nvSpPr>
+        <p:spPr/>
+        <p:txBody>
+          <a:bodyPr/>
+          <a:lstStyle/>
+          <a:p>
+            <a:endParaRPr lang="en-US"/>
+          </a:p>
+        </p:txBody>
+      </p:sp>
+    </p:spTree>
+    <p:extLst>
+      <p:ext uri="{BB962C8B-B14F-4D97-AF65-F5344CB8AC3E}">
+        <p14:creationId xmlns:p14="http://schemas.microsoft.com/office/powerpoint/2010/main" val="594925352"/>
+      </p:ext>
+    </p:extLst>
+  </p:cSld>
+  <p:clrMapOvr>
+    <a:masterClrMapping/>
+  </p:clrMapOvr>
+  <p:timing>
+    <p:tnLst>
+      <p:par>
+        <p:cTn xmlns:p14="http://schemas.microsoft.com/office/powerpoint/2010/main" id="1" dur="indefinite" restart="never" nodeType="tmRoot"/>
+      </p:par>
+    </p:tnLst>
+  </p:timing>
+</p:sld>
+</file>
+
+<file path=ppt/slides/slide30.xml><?xml version="1.0" encoding="utf-8"?>
+<p:sld xmlns:a="http://schemas.openxmlformats.org/drawingml/2006/main" xmlns:r="http://schemas.openxmlformats.org/officeDocument/2006/relationships" xmlns:p="http://schemas.openxmlformats.org/presentationml/2006/main">
+  <p:cSld>
+    <p:spTree>
+      <p:nvGrpSpPr>
+        <p:cNvPr id="1" name=""/>
+        <p:cNvGrpSpPr/>
+        <p:nvPr/>
+      </p:nvGrpSpPr>
+      <p:grpSpPr>
+        <a:xfrm>
+          <a:off x="0" y="0"/>
+          <a:ext cx="0" cy="0"/>
+          <a:chOff x="0" y="0"/>
+          <a:chExt cx="0" cy="0"/>
+        </a:xfrm>
+      </p:grpSpPr>
+      <p:sp>
+        <p:nvSpPr>
+          <p:cNvPr id="5" name="Title 4"/>
+          <p:cNvSpPr>
+            <a:spLocks noGrp="1"/>
+          </p:cNvSpPr>
+          <p:nvPr>
+            <p:ph type="ctrTitle"/>
+          </p:nvPr>
+        </p:nvSpPr>
+        <p:spPr/>
+        <p:txBody>
+          <a:bodyPr>
+            <a:normAutofit fontScale="90000"/>
+          </a:bodyPr>
+          <a:lstStyle/>
+          <a:p>
+            <a:r>
+              <a:rPr lang="en-US" dirty="0" smtClean="0"/>
               <a:t>Thanks to @</a:t>
             </a:r>
             <a:r>
@@ -6379,15 +6965,19 @@
             </a:r>
             <a:r>
               <a:rPr lang="en-US" dirty="0" smtClean="0"/>
-              <a:t> for sponsoring @</a:t>
+              <a:t> for sponsoring </a:t>
+            </a:r>
+            <a:r>
+              <a:rPr lang="en-US" dirty="0" smtClean="0"/>
+              <a:t>#</a:t>
             </a:r>
             <a:r>
               <a:rPr lang="en-US" dirty="0" err="1" smtClean="0"/>
-              <a:t>devopsdaysdc</a:t>
-            </a:r>
-            <a:r>
-              <a:rPr lang="en-US" dirty="0" smtClean="0"/>
-              <a:t>!</a:t>
+              <a:t>DevOpsDays</a:t>
+            </a:r>
+            <a:r>
+              <a:rPr lang="en-US" dirty="0" smtClean="0"/>
+              <a:t> DC!</a:t>
             </a:r>
             <a:endParaRPr lang="en-US" dirty="0"/>
           </a:p>
@@ -6425,7 +7015,7 @@
 </p:sld>
 </file>
 
-<file path=ppt/slides/slide27.xml><?xml version="1.0" encoding="utf-8"?>
+<file path=ppt/slides/slide31.xml><?xml version="1.0" encoding="utf-8"?>
 <p:sld xmlns:a="http://schemas.openxmlformats.org/drawingml/2006/main" xmlns:r="http://schemas.openxmlformats.org/officeDocument/2006/relationships" xmlns:p="http://schemas.openxmlformats.org/presentationml/2006/main">
   <p:cSld>
     <p:spTree>
@@ -6567,7 +7157,7 @@
 </p:sld>
 </file>
 
-<file path=ppt/slides/slide28.xml><?xml version="1.0" encoding="utf-8"?>
+<file path=ppt/slides/slide32.xml><?xml version="1.0" encoding="utf-8"?>
 <p:sld xmlns:a="http://schemas.openxmlformats.org/drawingml/2006/main" xmlns:r="http://schemas.openxmlformats.org/officeDocument/2006/relationships" xmlns:p="http://schemas.openxmlformats.org/presentationml/2006/main">
   <p:cSld>
     <p:spTree>
@@ -6611,15 +7201,19 @@
             </a:r>
             <a:r>
               <a:rPr lang="en-US" dirty="0" smtClean="0"/>
-              <a:t> for sponsoring @</a:t>
+              <a:t> for sponsoring </a:t>
+            </a:r>
+            <a:r>
+              <a:rPr lang="en-US" dirty="0" smtClean="0"/>
+              <a:t>#</a:t>
             </a:r>
             <a:r>
               <a:rPr lang="en-US" dirty="0" err="1" smtClean="0"/>
-              <a:t>devopsdaysdc</a:t>
-            </a:r>
-            <a:r>
-              <a:rPr lang="en-US" dirty="0" smtClean="0"/>
-              <a:t>!</a:t>
+              <a:t>DevOpsDays</a:t>
+            </a:r>
+            <a:r>
+              <a:rPr lang="en-US" dirty="0" smtClean="0"/>
+              <a:t> DC!</a:t>
             </a:r>
             <a:endParaRPr lang="en-US" dirty="0"/>
           </a:p>
@@ -6657,7 +7251,96 @@
 </p:sld>
 </file>
 
-<file path=ppt/slides/slide3.xml><?xml version="1.0" encoding="utf-8"?>
+<file path=ppt/slides/slide33.xml><?xml version="1.0" encoding="utf-8"?>
+<p:sld xmlns:a="http://schemas.openxmlformats.org/drawingml/2006/main" xmlns:r="http://schemas.openxmlformats.org/officeDocument/2006/relationships" xmlns:p="http://schemas.openxmlformats.org/presentationml/2006/main">
+  <p:cSld>
+    <p:spTree>
+      <p:nvGrpSpPr>
+        <p:cNvPr id="1" name=""/>
+        <p:cNvGrpSpPr/>
+        <p:nvPr/>
+      </p:nvGrpSpPr>
+      <p:grpSpPr>
+        <a:xfrm>
+          <a:off x="0" y="0"/>
+          <a:ext cx="0" cy="0"/>
+          <a:chOff x="0" y="0"/>
+          <a:chExt cx="0" cy="0"/>
+        </a:xfrm>
+      </p:grpSpPr>
+      <p:sp>
+        <p:nvSpPr>
+          <p:cNvPr id="5" name="Title 4"/>
+          <p:cNvSpPr>
+            <a:spLocks noGrp="1"/>
+          </p:cNvSpPr>
+          <p:nvPr>
+            <p:ph type="ctrTitle"/>
+          </p:nvPr>
+        </p:nvSpPr>
+        <p:spPr/>
+        <p:txBody>
+          <a:bodyPr>
+            <a:normAutofit/>
+          </a:bodyPr>
+          <a:lstStyle/>
+          <a:p>
+            <a:r>
+              <a:rPr lang="en-US" dirty="0" err="1" smtClean="0"/>
+              <a:t>DevOpsDays</a:t>
+            </a:r>
+            <a:r>
+              <a:rPr lang="en-US" dirty="0" smtClean="0"/>
+              <a:t> DC</a:t>
+            </a:r>
+            <a:endParaRPr lang="en-US" dirty="0"/>
+          </a:p>
+        </p:txBody>
+      </p:sp>
+      <p:sp>
+        <p:nvSpPr>
+          <p:cNvPr id="6" name="Subtitle 5"/>
+          <p:cNvSpPr>
+            <a:spLocks noGrp="1"/>
+          </p:cNvSpPr>
+          <p:nvPr>
+            <p:ph type="subTitle" idx="1"/>
+          </p:nvPr>
+        </p:nvSpPr>
+        <p:spPr/>
+        <p:txBody>
+          <a:bodyPr/>
+          <a:lstStyle/>
+          <a:p>
+            <a:r>
+              <a:rPr lang="en-US" dirty="0" smtClean="0"/>
+              <a:t>Sponsor Pitches</a:t>
+            </a:r>
+            <a:endParaRPr lang="en-US" dirty="0"/>
+          </a:p>
+        </p:txBody>
+      </p:sp>
+    </p:spTree>
+    <p:extLst>
+      <p:ext uri="{BB962C8B-B14F-4D97-AF65-F5344CB8AC3E}">
+        <p14:creationId xmlns:p14="http://schemas.microsoft.com/office/powerpoint/2010/main" val="2402416593"/>
+      </p:ext>
+    </p:extLst>
+  </p:cSld>
+  <p:clrMapOvr>
+    <a:masterClrMapping/>
+  </p:clrMapOvr>
+  <p:timing>
+    <p:tnLst>
+      <p:par>
+        <p:cTn xmlns:p14="http://schemas.microsoft.com/office/powerpoint/2010/main" id="1" dur="indefinite" restart="never" nodeType="tmRoot"/>
+      </p:par>
+    </p:tnLst>
+  </p:timing>
+</p:sld>
+</file>
+
+<file path=ppt/slides/slide4.xml><?xml version="1.0" encoding="utf-8"?>
 <p:sld xmlns:a="http://schemas.openxmlformats.org/drawingml/2006/main" xmlns:r="http://schemas.openxmlformats.org/officeDocument/2006/relationships" xmlns:p="http://schemas.openxmlformats.org/presentationml/2006/main">
   <p:cSld>
     <p:spTree>
@@ -6809,103 +7492,6 @@
 </p:sld>
 </file>
 
-<file path=ppt/slides/slide4.xml><?xml version="1.0" encoding="utf-8"?>
-<p:sld xmlns:a="http://schemas.openxmlformats.org/drawingml/2006/main" xmlns:r="http://schemas.openxmlformats.org/officeDocument/2006/relationships" xmlns:p="http://schemas.openxmlformats.org/presentationml/2006/main">
-  <p:cSld>
-    <p:spTree>
-      <p:nvGrpSpPr>
-        <p:cNvPr id="1" name=""/>
-        <p:cNvGrpSpPr/>
-        <p:nvPr/>
-      </p:nvGrpSpPr>
-      <p:grpSpPr>
-        <a:xfrm>
-          <a:off x="0" y="0"/>
-          <a:ext cx="0" cy="0"/>
-          <a:chOff x="0" y="0"/>
-          <a:chExt cx="0" cy="0"/>
-        </a:xfrm>
-      </p:grpSpPr>
-      <p:sp>
-        <p:nvSpPr>
-          <p:cNvPr id="5" name="Title 4"/>
-          <p:cNvSpPr>
-            <a:spLocks noGrp="1"/>
-          </p:cNvSpPr>
-          <p:nvPr>
-            <p:ph type="ctrTitle"/>
-          </p:nvPr>
-        </p:nvSpPr>
-        <p:spPr/>
-        <p:txBody>
-          <a:bodyPr>
-            <a:normAutofit fontScale="90000"/>
-          </a:bodyPr>
-          <a:lstStyle/>
-          <a:p>
-            <a:r>
-              <a:rPr lang="en-US" dirty="0" smtClean="0"/>
-              <a:t>Thanks to @</a:t>
-            </a:r>
-            <a:r>
-              <a:rPr lang="en-US" dirty="0" err="1" smtClean="0"/>
-              <a:t>sumologic</a:t>
-            </a:r>
-            <a:r>
-              <a:rPr lang="en-US" dirty="0" smtClean="0"/>
-              <a:t> for sponsoring @</a:t>
-            </a:r>
-            <a:r>
-              <a:rPr lang="en-US" dirty="0" err="1" smtClean="0"/>
-              <a:t>devopsdaysdc</a:t>
-            </a:r>
-            <a:r>
-              <a:rPr lang="en-US" dirty="0" smtClean="0"/>
-              <a:t>!</a:t>
-            </a:r>
-            <a:endParaRPr lang="en-US" dirty="0"/>
-          </a:p>
-        </p:txBody>
-      </p:sp>
-      <p:sp>
-        <p:nvSpPr>
-          <p:cNvPr id="6" name="Subtitle 5"/>
-          <p:cNvSpPr>
-            <a:spLocks noGrp="1"/>
-          </p:cNvSpPr>
-          <p:nvPr>
-            <p:ph type="subTitle" idx="1"/>
-          </p:nvPr>
-        </p:nvSpPr>
-        <p:spPr/>
-        <p:txBody>
-          <a:bodyPr/>
-          <a:lstStyle/>
-          <a:p>
-            <a:endParaRPr lang="en-US"/>
-          </a:p>
-        </p:txBody>
-      </p:sp>
-    </p:spTree>
-    <p:extLst>
-      <p:ext uri="{BB962C8B-B14F-4D97-AF65-F5344CB8AC3E}">
-        <p14:creationId xmlns:p14="http://schemas.microsoft.com/office/powerpoint/2010/main" val="2820752046"/>
-      </p:ext>
-    </p:extLst>
-  </p:cSld>
-  <p:clrMapOvr>
-    <a:masterClrMapping/>
-  </p:clrMapOvr>
-  <p:timing>
-    <p:tnLst>
-      <p:par>
-        <p:cTn xmlns:p14="http://schemas.microsoft.com/office/powerpoint/2010/main" id="1" dur="indefinite" restart="never" nodeType="tmRoot"/>
-      </p:par>
-    </p:tnLst>
-  </p:timing>
-</p:sld>
-</file>
-
 <file path=ppt/slides/slide5.xml><?xml version="1.0" encoding="utf-8"?>
 <p:sld xmlns:a="http://schemas.openxmlformats.org/drawingml/2006/main" xmlns:r="http://schemas.openxmlformats.org/officeDocument/2006/relationships" xmlns:p="http://schemas.openxmlformats.org/presentationml/2006/main">
   <p:cSld>
@@ -6925,22 +7511,44 @@
       </p:grpSpPr>
       <p:sp>
         <p:nvSpPr>
-          <p:cNvPr id="2" name="Title 1"/>
-          <p:cNvSpPr>
-            <a:spLocks noGrp="1"/>
-          </p:cNvSpPr>
-          <p:nvPr>
-            <p:ph type="title"/>
-          </p:nvPr>
-        </p:nvSpPr>
-        <p:spPr/>
-        <p:txBody>
-          <a:bodyPr/>
-          <a:lstStyle/>
-          <a:p>
-            <a:r>
-              <a:rPr lang="en-US" dirty="0" smtClean="0"/>
-              <a:t>Platinum Sponsor</a:t>
+          <p:cNvPr id="5" name="Title 4"/>
+          <p:cNvSpPr>
+            <a:spLocks noGrp="1"/>
+          </p:cNvSpPr>
+          <p:nvPr>
+            <p:ph type="ctrTitle"/>
+          </p:nvPr>
+        </p:nvSpPr>
+        <p:spPr/>
+        <p:txBody>
+          <a:bodyPr>
+            <a:normAutofit fontScale="90000"/>
+          </a:bodyPr>
+          <a:lstStyle/>
+          <a:p>
+            <a:r>
+              <a:rPr lang="en-US" dirty="0" smtClean="0"/>
+              <a:t>Thanks to @</a:t>
+            </a:r>
+            <a:r>
+              <a:rPr lang="en-US" dirty="0" err="1" smtClean="0"/>
+              <a:t>sumologic</a:t>
+            </a:r>
+            <a:r>
+              <a:rPr lang="en-US" dirty="0" smtClean="0"/>
+              <a:t> for sponsoring </a:t>
+            </a:r>
+            <a:r>
+              <a:rPr lang="en-US" dirty="0" smtClean="0"/>
+              <a:t>#</a:t>
+            </a:r>
+            <a:r>
+              <a:rPr lang="en-US" dirty="0" err="1" smtClean="0"/>
+              <a:t>DevOpsDays</a:t>
+            </a:r>
+            <a:r>
+              <a:rPr lang="en-US" dirty="0" smtClean="0"/>
+              <a:t> DC!</a:t>
             </a:r>
             <a:endParaRPr lang="en-US" dirty="0"/>
           </a:p>
@@ -6948,106 +7556,33 @@
       </p:sp>
       <p:sp>
         <p:nvSpPr>
-          <p:cNvPr id="3" name="Text Placeholder 2"/>
-          <p:cNvSpPr>
-            <a:spLocks noGrp="1"/>
-          </p:cNvSpPr>
-          <p:nvPr>
-            <p:ph type="body" sz="quarter" idx="13"/>
-          </p:nvPr>
-        </p:nvSpPr>
-        <p:spPr/>
-        <p:txBody>
-          <a:bodyPr/>
-          <a:lstStyle/>
-          <a:p>
-            <a:r>
-              <a:rPr lang="en-US" dirty="0" smtClean="0"/>
-              <a:t>@</a:t>
-            </a:r>
-            <a:r>
-              <a:rPr lang="en-US" dirty="0" err="1" smtClean="0"/>
-              <a:t>FugueHQ</a:t>
-            </a:r>
-            <a:endParaRPr lang="en-US" dirty="0"/>
-          </a:p>
-        </p:txBody>
-      </p:sp>
-      <p:pic>
-        <p:nvPicPr>
-          <p:cNvPr id="5" name="Picture 2"/>
-          <p:cNvPicPr>
-            <a:picLocks noGrp="1" noChangeAspect="1" noChangeArrowheads="1"/>
-          </p:cNvPicPr>
-          <p:nvPr>
-            <p:ph type="pic" sz="quarter" idx="14"/>
-          </p:nvPr>
-        </p:nvPicPr>
-        <p:blipFill>
-          <a:blip r:embed="rId2">
-            <a:extLst>
-              <a:ext uri="{28A0092B-C50C-407E-A947-70E740481C1C}">
-                <a14:useLocalDpi xmlns:a14="http://schemas.microsoft.com/office/drawing/2010/main" val="0"/>
-              </a:ext>
-            </a:extLst>
-          </a:blip>
-          <a:srcRect t="-21608" b="-21608"/>
-          <a:stretch>
-            <a:fillRect/>
-          </a:stretch>
-        </p:blipFill>
-        <p:spPr bwMode="auto">
-          <a:prstGeom prst="rect">
-            <a:avLst/>
-          </a:prstGeom>
-          <a:noFill/>
-          <a:ln>
-            <a:noFill/>
-          </a:ln>
-          <a:effectLst/>
-          <a:extLst>
-            <a:ext uri="{909E8E84-426E-40dd-AFC4-6F175D3DCCD1}">
-              <a14:hiddenFill xmlns:a14="http://schemas.microsoft.com/office/drawing/2010/main">
-                <a:solidFill>
-                  <a:schemeClr val="accent1"/>
-                </a:solidFill>
-              </a14:hiddenFill>
-            </a:ext>
-            <a:ext uri="{91240B29-F687-4f45-9708-019B960494DF}">
-              <a14:hiddenLine xmlns:a14="http://schemas.microsoft.com/office/drawing/2010/main" w="9525">
-                <a:solidFill>
-                  <a:schemeClr val="tx1"/>
-                </a:solidFill>
-                <a:miter lim="800000"/>
-                <a:headEnd/>
-                <a:tailEnd/>
-              </a14:hiddenLine>
-            </a:ext>
-            <a:ext uri="{AF507438-7753-43e0-B8FC-AC1667EBCBE1}">
-              <a14:hiddenEffects xmlns:a14="http://schemas.microsoft.com/office/drawing/2010/main">
-                <a:effectLst>
-                  <a:outerShdw dist="35921" dir="2700000" algn="ctr" rotWithShape="0">
-                    <a:schemeClr val="bg2"/>
-                  </a:outerShdw>
-                </a:effectLst>
-              </a14:hiddenEffects>
-            </a:ext>
-          </a:extLst>
-        </p:spPr>
-      </p:pic>
+          <p:cNvPr id="6" name="Subtitle 5"/>
+          <p:cNvSpPr>
+            <a:spLocks noGrp="1"/>
+          </p:cNvSpPr>
+          <p:nvPr>
+            <p:ph type="subTitle" idx="1"/>
+          </p:nvPr>
+        </p:nvSpPr>
+        <p:spPr/>
+        <p:txBody>
+          <a:bodyPr/>
+          <a:lstStyle/>
+          <a:p>
+            <a:endParaRPr lang="en-US"/>
+          </a:p>
+        </p:txBody>
+      </p:sp>
     </p:spTree>
     <p:extLst>
       <p:ext uri="{BB962C8B-B14F-4D97-AF65-F5344CB8AC3E}">
-        <p14:creationId xmlns:p14="http://schemas.microsoft.com/office/powerpoint/2010/main" val="2956079095"/>
+        <p14:creationId xmlns:p14="http://schemas.microsoft.com/office/powerpoint/2010/main" val="2820752046"/>
       </p:ext>
     </p:extLst>
   </p:cSld>
   <p:clrMapOvr>
     <a:masterClrMapping/>
   </p:clrMapOvr>
-  <p:transition xmlns:p14="http://schemas.microsoft.com/office/powerpoint/2010/main" spd="slow" advTm="60000">
-    <p:push dir="u"/>
-  </p:transition>
   <p:timing>
     <p:tnLst>
       <p:par>
@@ -7077,6 +7612,137 @@
       </p:grpSpPr>
       <p:sp>
         <p:nvSpPr>
+          <p:cNvPr id="2" name="Title 1"/>
+          <p:cNvSpPr>
+            <a:spLocks noGrp="1"/>
+          </p:cNvSpPr>
+          <p:nvPr>
+            <p:ph type="title"/>
+          </p:nvPr>
+        </p:nvSpPr>
+        <p:spPr/>
+        <p:txBody>
+          <a:bodyPr/>
+          <a:lstStyle/>
+          <a:p>
+            <a:r>
+              <a:rPr lang="en-US" dirty="0" smtClean="0"/>
+              <a:t>Platinum Sponsor</a:t>
+            </a:r>
+            <a:endParaRPr lang="en-US" dirty="0"/>
+          </a:p>
+        </p:txBody>
+      </p:sp>
+      <p:sp>
+        <p:nvSpPr>
+          <p:cNvPr id="3" name="Text Placeholder 2"/>
+          <p:cNvSpPr>
+            <a:spLocks noGrp="1"/>
+          </p:cNvSpPr>
+          <p:nvPr>
+            <p:ph type="body" sz="quarter" idx="13"/>
+          </p:nvPr>
+        </p:nvSpPr>
+        <p:spPr/>
+        <p:txBody>
+          <a:bodyPr/>
+          <a:lstStyle/>
+          <a:p>
+            <a:r>
+              <a:rPr lang="en-US" dirty="0" smtClean="0"/>
+              <a:t>@</a:t>
+            </a:r>
+            <a:r>
+              <a:rPr lang="en-US" dirty="0" err="1" smtClean="0"/>
+              <a:t>FugueHQ</a:t>
+            </a:r>
+            <a:endParaRPr lang="en-US" dirty="0"/>
+          </a:p>
+        </p:txBody>
+      </p:sp>
+      <p:sp>
+        <p:nvSpPr>
+          <p:cNvPr id="4" name="Picture Placeholder 3"/>
+          <p:cNvSpPr>
+            <a:spLocks noGrp="1"/>
+          </p:cNvSpPr>
+          <p:nvPr>
+            <p:ph type="pic" sz="quarter" idx="14"/>
+          </p:nvPr>
+        </p:nvSpPr>
+        <p:spPr/>
+      </p:sp>
+      <p:pic>
+        <p:nvPicPr>
+          <p:cNvPr id="6" name="Picture Placeholder 5" descr="logo_by_luminal-01 (1).jpg"/>
+          <p:cNvPicPr>
+            <a:picLocks noChangeAspect="1"/>
+          </p:cNvPicPr>
+          <p:nvPr/>
+        </p:nvPicPr>
+        <p:blipFill rotWithShape="1">
+          <a:blip r:embed="rId2">
+            <a:extLst>
+              <a:ext uri="{28A0092B-C50C-407E-A947-70E740481C1C}">
+                <a14:useLocalDpi xmlns:a14="http://schemas.microsoft.com/office/drawing/2010/main" val="0"/>
+              </a:ext>
+            </a:extLst>
+          </a:blip>
+          <a:srcRect t="8320" b="22928"/>
+          <a:stretch/>
+        </p:blipFill>
+        <p:spPr>
+          <a:xfrm>
+            <a:off x="457200" y="1168400"/>
+            <a:ext cx="8229600" cy="2786196"/>
+          </a:xfrm>
+          <a:prstGeom prst="rect">
+            <a:avLst/>
+          </a:prstGeom>
+        </p:spPr>
+      </p:pic>
+    </p:spTree>
+    <p:extLst>
+      <p:ext uri="{BB962C8B-B14F-4D97-AF65-F5344CB8AC3E}">
+        <p14:creationId xmlns:p14="http://schemas.microsoft.com/office/powerpoint/2010/main" val="2956079095"/>
+      </p:ext>
+    </p:extLst>
+  </p:cSld>
+  <p:clrMapOvr>
+    <a:masterClrMapping/>
+  </p:clrMapOvr>
+  <p:transition xmlns:p14="http://schemas.microsoft.com/office/powerpoint/2010/main" spd="slow" advTm="60000">
+    <p:push dir="u"/>
+  </p:transition>
+  <p:timing>
+    <p:tnLst>
+      <p:par>
+        <p:cTn xmlns:p14="http://schemas.microsoft.com/office/powerpoint/2010/main" id="1" dur="indefinite" restart="never" nodeType="tmRoot"/>
+      </p:par>
+    </p:tnLst>
+  </p:timing>
+</p:sld>
+</file>
+
+<file path=ppt/slides/slide7.xml><?xml version="1.0" encoding="utf-8"?>
+<p:sld xmlns:a="http://schemas.openxmlformats.org/drawingml/2006/main" xmlns:r="http://schemas.openxmlformats.org/officeDocument/2006/relationships" xmlns:p="http://schemas.openxmlformats.org/presentationml/2006/main">
+  <p:cSld>
+    <p:spTree>
+      <p:nvGrpSpPr>
+        <p:cNvPr id="1" name=""/>
+        <p:cNvGrpSpPr/>
+        <p:nvPr/>
+      </p:nvGrpSpPr>
+      <p:grpSpPr>
+        <a:xfrm>
+          <a:off x="0" y="0"/>
+          <a:ext cx="0" cy="0"/>
+          <a:chOff x="0" y="0"/>
+          <a:chExt cx="0" cy="0"/>
+        </a:xfrm>
+      </p:grpSpPr>
+      <p:sp>
+        <p:nvSpPr>
           <p:cNvPr id="5" name="Title 4"/>
           <p:cNvSpPr>
             <a:spLocks noGrp="1"/>
@@ -7102,15 +7768,19 @@
             </a:r>
             <a:r>
               <a:rPr lang="en-US" dirty="0" smtClean="0"/>
-              <a:t> for sponsoring @</a:t>
+              <a:t> for sponsoring </a:t>
+            </a:r>
+            <a:r>
+              <a:rPr lang="en-US" dirty="0" smtClean="0"/>
+              <a:t>#</a:t>
             </a:r>
             <a:r>
               <a:rPr lang="en-US" dirty="0" err="1" smtClean="0"/>
-              <a:t>devopsdaysdc</a:t>
-            </a:r>
-            <a:r>
-              <a:rPr lang="en-US" dirty="0" smtClean="0"/>
-              <a:t>!</a:t>
+              <a:t>DevOpsDays</a:t>
+            </a:r>
+            <a:r>
+              <a:rPr lang="en-US" dirty="0" smtClean="0"/>
+              <a:t> DC!</a:t>
             </a:r>
             <a:endParaRPr lang="en-US" dirty="0"/>
           </a:p>
@@ -7148,7 +7818,7 @@
 </p:sld>
 </file>
 
-<file path=ppt/slides/slide7.xml><?xml version="1.0" encoding="utf-8"?>
+<file path=ppt/slides/slide8.xml><?xml version="1.0" encoding="utf-8"?>
 <p:sld xmlns:a="http://schemas.openxmlformats.org/drawingml/2006/main" xmlns:r="http://schemas.openxmlformats.org/officeDocument/2006/relationships" xmlns:p="http://schemas.openxmlformats.org/presentationml/2006/main">
   <p:cSld>
     <p:spTree>
@@ -7277,96 +7947,6 @@
 </p:sld>
 </file>
 
-<file path=ppt/slides/slide8.xml><?xml version="1.0" encoding="utf-8"?>
-<p:sld xmlns:a="http://schemas.openxmlformats.org/drawingml/2006/main" xmlns:r="http://schemas.openxmlformats.org/officeDocument/2006/relationships" xmlns:p="http://schemas.openxmlformats.org/presentationml/2006/main">
-  <p:cSld>
-    <p:spTree>
-      <p:nvGrpSpPr>
-        <p:cNvPr id="1" name=""/>
-        <p:cNvGrpSpPr/>
-        <p:nvPr/>
-      </p:nvGrpSpPr>
-      <p:grpSpPr>
-        <a:xfrm>
-          <a:off x="0" y="0"/>
-          <a:ext cx="0" cy="0"/>
-          <a:chOff x="0" y="0"/>
-          <a:chExt cx="0" cy="0"/>
-        </a:xfrm>
-      </p:grpSpPr>
-      <p:sp>
-        <p:nvSpPr>
-          <p:cNvPr id="5" name="Title 4"/>
-          <p:cNvSpPr>
-            <a:spLocks noGrp="1"/>
-          </p:cNvSpPr>
-          <p:nvPr>
-            <p:ph type="ctrTitle"/>
-          </p:nvPr>
-        </p:nvSpPr>
-        <p:spPr/>
-        <p:txBody>
-          <a:bodyPr>
-            <a:normAutofit fontScale="90000"/>
-          </a:bodyPr>
-          <a:lstStyle/>
-          <a:p>
-            <a:r>
-              <a:rPr lang="en-US" dirty="0" smtClean="0"/>
-              <a:t>Thanks to @</a:t>
-            </a:r>
-            <a:r>
-              <a:rPr lang="en-US" dirty="0" err="1" smtClean="0"/>
-              <a:t>FireEye</a:t>
-            </a:r>
-            <a:r>
-              <a:rPr lang="en-US" dirty="0" smtClean="0"/>
-              <a:t> for sponsoring @</a:t>
-            </a:r>
-            <a:r>
-              <a:rPr lang="en-US" dirty="0" err="1" smtClean="0"/>
-              <a:t>devopsdaysdc</a:t>
-            </a:r>
-            <a:r>
-              <a:rPr lang="en-US" dirty="0" smtClean="0"/>
-              <a:t>!</a:t>
-            </a:r>
-            <a:endParaRPr lang="en-US" dirty="0"/>
-          </a:p>
-        </p:txBody>
-      </p:sp>
-      <p:sp>
-        <p:nvSpPr>
-          <p:cNvPr id="6" name="Subtitle 5"/>
-          <p:cNvSpPr>
-            <a:spLocks noGrp="1"/>
-          </p:cNvSpPr>
-          <p:nvPr>
-            <p:ph type="subTitle" idx="1"/>
-          </p:nvPr>
-        </p:nvSpPr>
-        <p:spPr/>
-        <p:txBody>
-          <a:bodyPr/>
-          <a:lstStyle/>
-          <a:p>
-            <a:endParaRPr lang="en-US"/>
-          </a:p>
-        </p:txBody>
-      </p:sp>
-    </p:spTree>
-    <p:extLst>
-      <p:ext uri="{BB962C8B-B14F-4D97-AF65-F5344CB8AC3E}">
-        <p14:creationId xmlns:p14="http://schemas.microsoft.com/office/powerpoint/2010/main" val="541903865"/>
-      </p:ext>
-    </p:extLst>
-  </p:cSld>
-  <p:clrMapOvr>
-    <a:masterClrMapping/>
-  </p:clrMapOvr>
-</p:sld>
-</file>
-
 <file path=ppt/slides/slide9.xml><?xml version="1.0" encoding="utf-8"?>
 <p:sld xmlns:a="http://schemas.openxmlformats.org/drawingml/2006/main" xmlns:r="http://schemas.openxmlformats.org/officeDocument/2006/relationships" xmlns:p="http://schemas.openxmlformats.org/presentationml/2006/main">
   <p:cSld>
@@ -7386,22 +7966,44 @@
       </p:grpSpPr>
       <p:sp>
         <p:nvSpPr>
-          <p:cNvPr id="2" name="Title 1"/>
-          <p:cNvSpPr>
-            <a:spLocks noGrp="1"/>
-          </p:cNvSpPr>
-          <p:nvPr>
-            <p:ph type="title"/>
-          </p:nvPr>
-        </p:nvSpPr>
-        <p:spPr/>
-        <p:txBody>
-          <a:bodyPr/>
-          <a:lstStyle/>
-          <a:p>
-            <a:r>
-              <a:rPr lang="en-US" dirty="0" smtClean="0"/>
-              <a:t>Platinum Sponsor</a:t>
+          <p:cNvPr id="5" name="Title 4"/>
+          <p:cNvSpPr>
+            <a:spLocks noGrp="1"/>
+          </p:cNvSpPr>
+          <p:nvPr>
+            <p:ph type="ctrTitle"/>
+          </p:nvPr>
+        </p:nvSpPr>
+        <p:spPr/>
+        <p:txBody>
+          <a:bodyPr>
+            <a:normAutofit fontScale="90000"/>
+          </a:bodyPr>
+          <a:lstStyle/>
+          <a:p>
+            <a:r>
+              <a:rPr lang="en-US" dirty="0" smtClean="0"/>
+              <a:t>Thanks to @</a:t>
+            </a:r>
+            <a:r>
+              <a:rPr lang="en-US" dirty="0" err="1" smtClean="0"/>
+              <a:t>FireEye</a:t>
+            </a:r>
+            <a:r>
+              <a:rPr lang="en-US" dirty="0" smtClean="0"/>
+              <a:t> for sponsoring </a:t>
+            </a:r>
+            <a:r>
+              <a:rPr lang="en-US" dirty="0" smtClean="0"/>
+              <a:t>#</a:t>
+            </a:r>
+            <a:r>
+              <a:rPr lang="en-US" dirty="0" err="1" smtClean="0"/>
+              <a:t>DevOpsDays</a:t>
+            </a:r>
+            <a:r>
+              <a:rPr lang="en-US" dirty="0" smtClean="0"/>
+              <a:t> DC!</a:t>
             </a:r>
             <a:endParaRPr lang="en-US" dirty="0"/>
           </a:p>
@@ -7409,90 +8011,33 @@
       </p:sp>
       <p:sp>
         <p:nvSpPr>
-          <p:cNvPr id="3" name="Text Placeholder 2"/>
-          <p:cNvSpPr>
-            <a:spLocks noGrp="1"/>
-          </p:cNvSpPr>
-          <p:nvPr>
-            <p:ph type="body" sz="quarter" idx="13"/>
-          </p:nvPr>
-        </p:nvSpPr>
-        <p:spPr/>
-        <p:txBody>
-          <a:bodyPr/>
-          <a:lstStyle/>
-          <a:p>
-            <a:r>
-              <a:rPr lang="en-US" dirty="0" smtClean="0"/>
-              <a:t>@</a:t>
-            </a:r>
-            <a:r>
-              <a:rPr lang="en-US" dirty="0" err="1" smtClean="0"/>
-              <a:t>sonatype</a:t>
-            </a:r>
-            <a:endParaRPr lang="en-US" dirty="0"/>
-          </a:p>
-        </p:txBody>
-      </p:sp>
-      <p:pic>
-        <p:nvPicPr>
-          <p:cNvPr id="7" name="Picture 2" descr="C:\Users\jason.simpson\AppData\Local\Microsoft\Windows\Temporary Internet Files\Content.Outlook\33G2AT45\sonatype_logo_BlackOnWhite (1).jpg"/>
-          <p:cNvPicPr>
-            <a:picLocks noGrp="1" noChangeAspect="1" noChangeArrowheads="1"/>
-          </p:cNvPicPr>
-          <p:nvPr>
-            <p:ph type="pic" sz="quarter" idx="14"/>
-          </p:nvPr>
-        </p:nvPicPr>
-        <p:blipFill>
-          <a:blip r:embed="rId2">
-            <a:extLst>
-              <a:ext uri="{28A0092B-C50C-407E-A947-70E740481C1C}">
-                <a14:useLocalDpi xmlns:a14="http://schemas.microsoft.com/office/drawing/2010/main" val="0"/>
-              </a:ext>
-            </a:extLst>
-          </a:blip>
-          <a:srcRect t="-32915" b="-32915"/>
-          <a:stretch>
-            <a:fillRect/>
-          </a:stretch>
-        </p:blipFill>
-        <p:spPr bwMode="auto">
-          <a:prstGeom prst="rect">
-            <a:avLst/>
-          </a:prstGeom>
-          <a:noFill/>
-          <a:extLst>
-            <a:ext uri="{909E8E84-426E-40dd-AFC4-6F175D3DCCD1}">
-              <a14:hiddenFill xmlns:a14="http://schemas.microsoft.com/office/drawing/2010/main">
-                <a:solidFill>
-                  <a:srgbClr val="FFFFFF"/>
-                </a:solidFill>
-              </a14:hiddenFill>
-            </a:ext>
-          </a:extLst>
-        </p:spPr>
-      </p:pic>
+          <p:cNvPr id="6" name="Subtitle 5"/>
+          <p:cNvSpPr>
+            <a:spLocks noGrp="1"/>
+          </p:cNvSpPr>
+          <p:nvPr>
+            <p:ph type="subTitle" idx="1"/>
+          </p:nvPr>
+        </p:nvSpPr>
+        <p:spPr/>
+        <p:txBody>
+          <a:bodyPr/>
+          <a:lstStyle/>
+          <a:p>
+            <a:endParaRPr lang="en-US"/>
+          </a:p>
+        </p:txBody>
+      </p:sp>
     </p:spTree>
     <p:extLst>
       <p:ext uri="{BB962C8B-B14F-4D97-AF65-F5344CB8AC3E}">
-        <p14:creationId xmlns:p14="http://schemas.microsoft.com/office/powerpoint/2010/main" val="538817539"/>
+        <p14:creationId xmlns:p14="http://schemas.microsoft.com/office/powerpoint/2010/main" val="541903865"/>
       </p:ext>
     </p:extLst>
   </p:cSld>
   <p:clrMapOvr>
     <a:masterClrMapping/>
   </p:clrMapOvr>
-  <p:transition xmlns:p14="http://schemas.microsoft.com/office/powerpoint/2010/main" spd="slow" advTm="60000">
-    <p:push dir="u"/>
-  </p:transition>
-  <p:timing>
-    <p:tnLst>
-      <p:par>
-        <p:cTn xmlns:p14="http://schemas.microsoft.com/office/powerpoint/2010/main" id="1" dur="indefinite" restart="never" nodeType="tmRoot"/>
-      </p:par>
-    </p:tnLst>
-  </p:timing>
 </p:sld>
 </file>
 
